--- a/HieuMan_FinalProj.pptx
+++ b/HieuMan_FinalProj.pptx
@@ -4,15 +4,22 @@
   <p:sldMasterIdLst>
     <p:sldMasterId id="2147483660" r:id="rId1"/>
   </p:sldMasterIdLst>
+  <p:notesMasterIdLst>
+    <p:notesMasterId r:id="rId14"/>
+  </p:notesMasterIdLst>
   <p:sldIdLst>
     <p:sldId id="256" r:id="rId2"/>
     <p:sldId id="257" r:id="rId3"/>
     <p:sldId id="258" r:id="rId4"/>
-    <p:sldId id="259" r:id="rId5"/>
-    <p:sldId id="260" r:id="rId6"/>
-    <p:sldId id="261" r:id="rId7"/>
-    <p:sldId id="262" r:id="rId8"/>
-    <p:sldId id="263" r:id="rId9"/>
+    <p:sldId id="264" r:id="rId5"/>
+    <p:sldId id="265" r:id="rId6"/>
+    <p:sldId id="259" r:id="rId7"/>
+    <p:sldId id="260" r:id="rId8"/>
+    <p:sldId id="266" r:id="rId9"/>
+    <p:sldId id="261" r:id="rId10"/>
+    <p:sldId id="262" r:id="rId11"/>
+    <p:sldId id="267" r:id="rId12"/>
+    <p:sldId id="263" r:id="rId13"/>
   </p:sldIdLst>
   <p:sldSz cx="12192000" cy="6858000"/>
   <p:notesSz cx="6858000" cy="9144000"/>
@@ -119,6 +126,355 @@
 </p:presentation>
 </file>
 
+<file path=ppt/notesMasters/notesMaster1.xml><?xml version="1.0" encoding="utf-8"?>
+<p:notesMaster xmlns:a="http://schemas.openxmlformats.org/drawingml/2006/main" xmlns:r="http://schemas.openxmlformats.org/officeDocument/2006/relationships" xmlns:p="http://schemas.openxmlformats.org/presentationml/2006/main">
+  <p:cSld>
+    <p:bg>
+      <p:bgRef idx="1001">
+        <a:schemeClr val="bg1"/>
+      </p:bgRef>
+    </p:bg>
+    <p:spTree>
+      <p:nvGrpSpPr>
+        <p:cNvPr id="1" name=""/>
+        <p:cNvGrpSpPr/>
+        <p:nvPr/>
+      </p:nvGrpSpPr>
+      <p:grpSpPr>
+        <a:xfrm>
+          <a:off x="0" y="0"/>
+          <a:ext cx="0" cy="0"/>
+          <a:chOff x="0" y="0"/>
+          <a:chExt cx="0" cy="0"/>
+        </a:xfrm>
+      </p:grpSpPr>
+      <p:sp>
+        <p:nvSpPr>
+          <p:cNvPr id="2" name="Header Placeholder 1"/>
+          <p:cNvSpPr>
+            <a:spLocks noGrp="1"/>
+          </p:cNvSpPr>
+          <p:nvPr>
+            <p:ph type="hdr" sz="quarter"/>
+          </p:nvPr>
+        </p:nvSpPr>
+        <p:spPr>
+          <a:xfrm>
+            <a:off x="0" y="0"/>
+            <a:ext cx="2971800" cy="458788"/>
+          </a:xfrm>
+          <a:prstGeom prst="rect">
+            <a:avLst/>
+          </a:prstGeom>
+        </p:spPr>
+        <p:txBody>
+          <a:bodyPr vert="horz" lIns="91440" tIns="45720" rIns="91440" bIns="45720" rtlCol="0"/>
+          <a:lstStyle>
+            <a:lvl1pPr algn="l">
+              <a:defRPr sz="1200"/>
+            </a:lvl1pPr>
+          </a:lstStyle>
+          <a:p>
+            <a:endParaRPr lang="en-US"/>
+          </a:p>
+        </p:txBody>
+      </p:sp>
+      <p:sp>
+        <p:nvSpPr>
+          <p:cNvPr id="3" name="Date Placeholder 2"/>
+          <p:cNvSpPr>
+            <a:spLocks noGrp="1"/>
+          </p:cNvSpPr>
+          <p:nvPr>
+            <p:ph type="dt" idx="1"/>
+          </p:nvPr>
+        </p:nvSpPr>
+        <p:spPr>
+          <a:xfrm>
+            <a:off x="3884613" y="0"/>
+            <a:ext cx="2971800" cy="458788"/>
+          </a:xfrm>
+          <a:prstGeom prst="rect">
+            <a:avLst/>
+          </a:prstGeom>
+        </p:spPr>
+        <p:txBody>
+          <a:bodyPr vert="horz" lIns="91440" tIns="45720" rIns="91440" bIns="45720" rtlCol="0"/>
+          <a:lstStyle>
+            <a:lvl1pPr algn="r">
+              <a:defRPr sz="1200"/>
+            </a:lvl1pPr>
+          </a:lstStyle>
+          <a:p>
+            <a:fld id="{EE4DAB95-43D5-4868-88E5-AAA6CE95ABDE}" type="datetimeFigureOut">
+              <a:rPr lang="en-US" smtClean="0"/>
+              <a:t>6/13/2024</a:t>
+            </a:fld>
+            <a:endParaRPr lang="en-US"/>
+          </a:p>
+        </p:txBody>
+      </p:sp>
+      <p:sp>
+        <p:nvSpPr>
+          <p:cNvPr id="4" name="Slide Image Placeholder 3"/>
+          <p:cNvSpPr>
+            <a:spLocks noGrp="1" noRot="1" noChangeAspect="1"/>
+          </p:cNvSpPr>
+          <p:nvPr>
+            <p:ph type="sldImg" idx="2"/>
+          </p:nvPr>
+        </p:nvSpPr>
+        <p:spPr>
+          <a:xfrm>
+            <a:off x="685800" y="1143000"/>
+            <a:ext cx="5486400" cy="3086100"/>
+          </a:xfrm>
+          <a:prstGeom prst="rect">
+            <a:avLst/>
+          </a:prstGeom>
+          <a:noFill/>
+          <a:ln w="12700">
+            <a:solidFill>
+              <a:prstClr val="black"/>
+            </a:solidFill>
+          </a:ln>
+        </p:spPr>
+        <p:txBody>
+          <a:bodyPr vert="horz" lIns="91440" tIns="45720" rIns="91440" bIns="45720" rtlCol="0" anchor="ctr"/>
+          <a:lstStyle/>
+          <a:p>
+            <a:endParaRPr lang="en-US"/>
+          </a:p>
+        </p:txBody>
+      </p:sp>
+      <p:sp>
+        <p:nvSpPr>
+          <p:cNvPr id="5" name="Notes Placeholder 4"/>
+          <p:cNvSpPr>
+            <a:spLocks noGrp="1"/>
+          </p:cNvSpPr>
+          <p:nvPr>
+            <p:ph type="body" sz="quarter" idx="3"/>
+          </p:nvPr>
+        </p:nvSpPr>
+        <p:spPr>
+          <a:xfrm>
+            <a:off x="685800" y="4400550"/>
+            <a:ext cx="5486400" cy="3600450"/>
+          </a:xfrm>
+          <a:prstGeom prst="rect">
+            <a:avLst/>
+          </a:prstGeom>
+        </p:spPr>
+        <p:txBody>
+          <a:bodyPr vert="horz" lIns="91440" tIns="45720" rIns="91440" bIns="45720" rtlCol="0"/>
+          <a:lstStyle/>
+          <a:p>
+            <a:pPr lvl="0"/>
+            <a:r>
+              <a:rPr lang="en-US"/>
+              <a:t>Click to edit Master text styles</a:t>
+            </a:r>
+          </a:p>
+          <a:p>
+            <a:pPr lvl="1"/>
+            <a:r>
+              <a:rPr lang="en-US"/>
+              <a:t>Second level</a:t>
+            </a:r>
+          </a:p>
+          <a:p>
+            <a:pPr lvl="2"/>
+            <a:r>
+              <a:rPr lang="en-US"/>
+              <a:t>Third level</a:t>
+            </a:r>
+          </a:p>
+          <a:p>
+            <a:pPr lvl="3"/>
+            <a:r>
+              <a:rPr lang="en-US"/>
+              <a:t>Fourth level</a:t>
+            </a:r>
+          </a:p>
+          <a:p>
+            <a:pPr lvl="4"/>
+            <a:r>
+              <a:rPr lang="en-US"/>
+              <a:t>Fifth level</a:t>
+            </a:r>
+          </a:p>
+        </p:txBody>
+      </p:sp>
+      <p:sp>
+        <p:nvSpPr>
+          <p:cNvPr id="6" name="Footer Placeholder 5"/>
+          <p:cNvSpPr>
+            <a:spLocks noGrp="1"/>
+          </p:cNvSpPr>
+          <p:nvPr>
+            <p:ph type="ftr" sz="quarter" idx="4"/>
+          </p:nvPr>
+        </p:nvSpPr>
+        <p:spPr>
+          <a:xfrm>
+            <a:off x="0" y="8685213"/>
+            <a:ext cx="2971800" cy="458787"/>
+          </a:xfrm>
+          <a:prstGeom prst="rect">
+            <a:avLst/>
+          </a:prstGeom>
+        </p:spPr>
+        <p:txBody>
+          <a:bodyPr vert="horz" lIns="91440" tIns="45720" rIns="91440" bIns="45720" rtlCol="0" anchor="b"/>
+          <a:lstStyle>
+            <a:lvl1pPr algn="l">
+              <a:defRPr sz="1200"/>
+            </a:lvl1pPr>
+          </a:lstStyle>
+          <a:p>
+            <a:endParaRPr lang="en-US"/>
+          </a:p>
+        </p:txBody>
+      </p:sp>
+      <p:sp>
+        <p:nvSpPr>
+          <p:cNvPr id="7" name="Slide Number Placeholder 6"/>
+          <p:cNvSpPr>
+            <a:spLocks noGrp="1"/>
+          </p:cNvSpPr>
+          <p:nvPr>
+            <p:ph type="sldNum" sz="quarter" idx="5"/>
+          </p:nvPr>
+        </p:nvSpPr>
+        <p:spPr>
+          <a:xfrm>
+            <a:off x="3884613" y="8685213"/>
+            <a:ext cx="2971800" cy="458787"/>
+          </a:xfrm>
+          <a:prstGeom prst="rect">
+            <a:avLst/>
+          </a:prstGeom>
+        </p:spPr>
+        <p:txBody>
+          <a:bodyPr vert="horz" lIns="91440" tIns="45720" rIns="91440" bIns="45720" rtlCol="0" anchor="b"/>
+          <a:lstStyle>
+            <a:lvl1pPr algn="r">
+              <a:defRPr sz="1200"/>
+            </a:lvl1pPr>
+          </a:lstStyle>
+          <a:p>
+            <a:fld id="{5527B01A-376B-40B1-AFBD-897775C39D8E}" type="slidenum">
+              <a:rPr lang="en-US" smtClean="0"/>
+              <a:t>‹#›</a:t>
+            </a:fld>
+            <a:endParaRPr lang="en-US"/>
+          </a:p>
+        </p:txBody>
+      </p:sp>
+    </p:spTree>
+    <p:extLst>
+      <p:ext uri="{BB962C8B-B14F-4D97-AF65-F5344CB8AC3E}">
+        <p14:creationId xmlns:p14="http://schemas.microsoft.com/office/powerpoint/2010/main" val="2713101860"/>
+      </p:ext>
+    </p:extLst>
+  </p:cSld>
+  <p:clrMap bg1="lt1" tx1="dk1" bg2="lt2" tx2="dk2" accent1="accent1" accent2="accent2" accent3="accent3" accent4="accent4" accent5="accent5" accent6="accent6" hlink="hlink" folHlink="folHlink"/>
+  <p:notesStyle>
+    <a:lvl1pPr marL="0" algn="l" defTabSz="914400" rtl="0" eaLnBrk="1" latinLnBrk="0" hangingPunct="1">
+      <a:defRPr sz="1200" kern="1200">
+        <a:solidFill>
+          <a:schemeClr val="tx1"/>
+        </a:solidFill>
+        <a:latin typeface="+mn-lt"/>
+        <a:ea typeface="+mn-ea"/>
+        <a:cs typeface="+mn-cs"/>
+      </a:defRPr>
+    </a:lvl1pPr>
+    <a:lvl2pPr marL="457200" algn="l" defTabSz="914400" rtl="0" eaLnBrk="1" latinLnBrk="0" hangingPunct="1">
+      <a:defRPr sz="1200" kern="1200">
+        <a:solidFill>
+          <a:schemeClr val="tx1"/>
+        </a:solidFill>
+        <a:latin typeface="+mn-lt"/>
+        <a:ea typeface="+mn-ea"/>
+        <a:cs typeface="+mn-cs"/>
+      </a:defRPr>
+    </a:lvl2pPr>
+    <a:lvl3pPr marL="914400" algn="l" defTabSz="914400" rtl="0" eaLnBrk="1" latinLnBrk="0" hangingPunct="1">
+      <a:defRPr sz="1200" kern="1200">
+        <a:solidFill>
+          <a:schemeClr val="tx1"/>
+        </a:solidFill>
+        <a:latin typeface="+mn-lt"/>
+        <a:ea typeface="+mn-ea"/>
+        <a:cs typeface="+mn-cs"/>
+      </a:defRPr>
+    </a:lvl3pPr>
+    <a:lvl4pPr marL="1371600" algn="l" defTabSz="914400" rtl="0" eaLnBrk="1" latinLnBrk="0" hangingPunct="1">
+      <a:defRPr sz="1200" kern="1200">
+        <a:solidFill>
+          <a:schemeClr val="tx1"/>
+        </a:solidFill>
+        <a:latin typeface="+mn-lt"/>
+        <a:ea typeface="+mn-ea"/>
+        <a:cs typeface="+mn-cs"/>
+      </a:defRPr>
+    </a:lvl4pPr>
+    <a:lvl5pPr marL="1828800" algn="l" defTabSz="914400" rtl="0" eaLnBrk="1" latinLnBrk="0" hangingPunct="1">
+      <a:defRPr sz="1200" kern="1200">
+        <a:solidFill>
+          <a:schemeClr val="tx1"/>
+        </a:solidFill>
+        <a:latin typeface="+mn-lt"/>
+        <a:ea typeface="+mn-ea"/>
+        <a:cs typeface="+mn-cs"/>
+      </a:defRPr>
+    </a:lvl5pPr>
+    <a:lvl6pPr marL="2286000" algn="l" defTabSz="914400" rtl="0" eaLnBrk="1" latinLnBrk="0" hangingPunct="1">
+      <a:defRPr sz="1200" kern="1200">
+        <a:solidFill>
+          <a:schemeClr val="tx1"/>
+        </a:solidFill>
+        <a:latin typeface="+mn-lt"/>
+        <a:ea typeface="+mn-ea"/>
+        <a:cs typeface="+mn-cs"/>
+      </a:defRPr>
+    </a:lvl6pPr>
+    <a:lvl7pPr marL="2743200" algn="l" defTabSz="914400" rtl="0" eaLnBrk="1" latinLnBrk="0" hangingPunct="1">
+      <a:defRPr sz="1200" kern="1200">
+        <a:solidFill>
+          <a:schemeClr val="tx1"/>
+        </a:solidFill>
+        <a:latin typeface="+mn-lt"/>
+        <a:ea typeface="+mn-ea"/>
+        <a:cs typeface="+mn-cs"/>
+      </a:defRPr>
+    </a:lvl7pPr>
+    <a:lvl8pPr marL="3200400" algn="l" defTabSz="914400" rtl="0" eaLnBrk="1" latinLnBrk="0" hangingPunct="1">
+      <a:defRPr sz="1200" kern="1200">
+        <a:solidFill>
+          <a:schemeClr val="tx1"/>
+        </a:solidFill>
+        <a:latin typeface="+mn-lt"/>
+        <a:ea typeface="+mn-ea"/>
+        <a:cs typeface="+mn-cs"/>
+      </a:defRPr>
+    </a:lvl8pPr>
+    <a:lvl9pPr marL="3657600" algn="l" defTabSz="914400" rtl="0" eaLnBrk="1" latinLnBrk="0" hangingPunct="1">
+      <a:defRPr sz="1200" kern="1200">
+        <a:solidFill>
+          <a:schemeClr val="tx1"/>
+        </a:solidFill>
+        <a:latin typeface="+mn-lt"/>
+        <a:ea typeface="+mn-ea"/>
+        <a:cs typeface="+mn-cs"/>
+      </a:defRPr>
+    </a:lvl9pPr>
+  </p:notesStyle>
+</p:notesMaster>
+</file>
+
 <file path=ppt/slideLayouts/slideLayout1.xml><?xml version="1.0" encoding="utf-8"?>
 <p:sldLayout xmlns:a="http://schemas.openxmlformats.org/drawingml/2006/main" xmlns:r="http://schemas.openxmlformats.org/officeDocument/2006/relationships" xmlns:p="http://schemas.openxmlformats.org/presentationml/2006/main" preserve="1">
   <p:cSld name="Title Slide">
@@ -555,9 +911,9 @@
             </a:lvl1pPr>
           </a:lstStyle>
           <a:p>
-            <a:fld id="{48F7B6CC-C9CF-4691-B7A1-78FFA24DA8AE}" type="datetimeFigureOut">
+            <a:fld id="{66DBBE7A-999B-4793-BFED-CD5066E9CE86}" type="datetime1">
               <a:rPr lang="en-US" smtClean="0"/>
-              <a:t>6/10/2024</a:t>
+              <a:t>6/13/2024</a:t>
             </a:fld>
             <a:endParaRPr lang="en-US"/>
           </a:p>
@@ -1127,9 +1483,9 @@
           <a:bodyPr/>
           <a:lstStyle/>
           <a:p>
-            <a:fld id="{48F7B6CC-C9CF-4691-B7A1-78FFA24DA8AE}" type="datetimeFigureOut">
+            <a:fld id="{B8A05B8E-0E15-48EB-8542-23BF9EE5279A}" type="datetime1">
               <a:rPr lang="en-US" smtClean="0"/>
-              <a:t>6/10/2024</a:t>
+              <a:t>6/13/2024</a:t>
             </a:fld>
             <a:endParaRPr lang="en-US"/>
           </a:p>
@@ -1399,9 +1755,9 @@
             </a:lvl1pPr>
           </a:lstStyle>
           <a:p>
-            <a:fld id="{48F7B6CC-C9CF-4691-B7A1-78FFA24DA8AE}" type="datetimeFigureOut">
+            <a:fld id="{5BDAF454-A5EE-4E62-96EA-57E96455D23F}" type="datetime1">
               <a:rPr lang="en-US" smtClean="0"/>
-              <a:t>6/10/2024</a:t>
+              <a:t>6/13/2024</a:t>
             </a:fld>
             <a:endParaRPr lang="en-US"/>
           </a:p>
@@ -1536,6 +1892,7 @@
     <p:sldLayoutId id="2147483663" r:id="rId3"/>
     <p:sldLayoutId id="2147483664" r:id="rId4"/>
   </p:sldLayoutIdLst>
+  <p:hf hdr="0" ftr="0" dt="0"/>
   <p:txStyles>
     <p:titleStyle>
       <a:lvl1pPr algn="l" defTabSz="914400" rtl="0" eaLnBrk="1" latinLnBrk="0" hangingPunct="1">
@@ -1917,10 +2274,615 @@
           </a:p>
         </p:txBody>
       </p:sp>
+      <p:sp>
+        <p:nvSpPr>
+          <p:cNvPr id="4" name="Slide Number Placeholder 3">
+            <a:extLst>
+              <a:ext uri="{FF2B5EF4-FFF2-40B4-BE49-F238E27FC236}">
+                <a16:creationId xmlns:a16="http://schemas.microsoft.com/office/drawing/2014/main" id="{97E7C63B-6801-263E-4A7C-941838208BA9}"/>
+              </a:ext>
+            </a:extLst>
+          </p:cNvPr>
+          <p:cNvSpPr>
+            <a:spLocks noGrp="1"/>
+          </p:cNvSpPr>
+          <p:nvPr>
+            <p:ph type="sldNum" sz="quarter" idx="12"/>
+          </p:nvPr>
+        </p:nvSpPr>
+        <p:spPr/>
+        <p:txBody>
+          <a:bodyPr/>
+          <a:lstStyle/>
+          <a:p>
+            <a:fld id="{26CCC7B3-F9A4-4C0B-AF51-555657318CEE}" type="slidenum">
+              <a:rPr lang="en-US" smtClean="0"/>
+              <a:t>1</a:t>
+            </a:fld>
+            <a:endParaRPr lang="en-US"/>
+          </a:p>
+        </p:txBody>
+      </p:sp>
     </p:spTree>
     <p:extLst>
       <p:ext uri="{BB962C8B-B14F-4D97-AF65-F5344CB8AC3E}">
         <p14:creationId xmlns:p14="http://schemas.microsoft.com/office/powerpoint/2010/main" val="3507333972"/>
+      </p:ext>
+    </p:extLst>
+  </p:cSld>
+  <p:clrMapOvr>
+    <a:masterClrMapping/>
+  </p:clrMapOvr>
+</p:sld>
+</file>
+
+<file path=ppt/slides/slide10.xml><?xml version="1.0" encoding="utf-8"?>
+<p:sld xmlns:a="http://schemas.openxmlformats.org/drawingml/2006/main" xmlns:r="http://schemas.openxmlformats.org/officeDocument/2006/relationships" xmlns:p="http://schemas.openxmlformats.org/presentationml/2006/main">
+  <p:cSld>
+    <p:spTree>
+      <p:nvGrpSpPr>
+        <p:cNvPr id="1" name=""/>
+        <p:cNvGrpSpPr/>
+        <p:nvPr/>
+      </p:nvGrpSpPr>
+      <p:grpSpPr>
+        <a:xfrm>
+          <a:off x="0" y="0"/>
+          <a:ext cx="0" cy="0"/>
+          <a:chOff x="0" y="0"/>
+          <a:chExt cx="0" cy="0"/>
+        </a:xfrm>
+      </p:grpSpPr>
+      <p:sp>
+        <p:nvSpPr>
+          <p:cNvPr id="3" name="Subtitle 2">
+            <a:extLst>
+              <a:ext uri="{FF2B5EF4-FFF2-40B4-BE49-F238E27FC236}">
+                <a16:creationId xmlns:a16="http://schemas.microsoft.com/office/drawing/2014/main" id="{0FEAAFB1-E656-41B0-7751-7F3FF6E96E31}"/>
+              </a:ext>
+            </a:extLst>
+          </p:cNvPr>
+          <p:cNvSpPr>
+            <a:spLocks noGrp="1"/>
+          </p:cNvSpPr>
+          <p:nvPr>
+            <p:ph type="subTitle" idx="1"/>
+          </p:nvPr>
+        </p:nvSpPr>
+        <p:spPr>
+          <a:xfrm>
+            <a:off x="601287" y="453044"/>
+            <a:ext cx="10978342" cy="670704"/>
+          </a:xfrm>
+        </p:spPr>
+        <p:txBody>
+          <a:bodyPr>
+            <a:normAutofit/>
+          </a:bodyPr>
+          <a:lstStyle/>
+          <a:p>
+            <a:pPr algn="l"/>
+            <a:r>
+              <a:rPr lang="en-US" dirty="0"/>
+              <a:t>Bayesian Structural Time Series (BSTS): Prior Tuning </a:t>
+            </a:r>
+          </a:p>
+        </p:txBody>
+      </p:sp>
+      <p:sp>
+        <p:nvSpPr>
+          <p:cNvPr id="2" name="TextBox 1">
+            <a:extLst>
+              <a:ext uri="{FF2B5EF4-FFF2-40B4-BE49-F238E27FC236}">
+                <a16:creationId xmlns:a16="http://schemas.microsoft.com/office/drawing/2014/main" id="{6E2BB7D6-7763-51A8-233F-65D52A0A4130}"/>
+              </a:ext>
+            </a:extLst>
+          </p:cNvPr>
+          <p:cNvSpPr txBox="1"/>
+          <p:nvPr/>
+        </p:nvSpPr>
+        <p:spPr>
+          <a:xfrm>
+            <a:off x="286305" y="1265512"/>
+            <a:ext cx="11293323" cy="2308324"/>
+          </a:xfrm>
+          <a:prstGeom prst="rect">
+            <a:avLst/>
+          </a:prstGeom>
+          <a:noFill/>
+        </p:spPr>
+        <p:txBody>
+          <a:bodyPr wrap="square" rtlCol="0">
+            <a:spAutoFit/>
+          </a:bodyPr>
+          <a:lstStyle/>
+          <a:p>
+            <a:pPr marL="285750" indent="-285750">
+              <a:buFont typeface="Arial" panose="020B0604020202020204" pitchFamily="34" charset="0"/>
+              <a:buChar char="•"/>
+            </a:pPr>
+            <a:endParaRPr lang="en-US" dirty="0"/>
+          </a:p>
+          <a:p>
+            <a:pPr marL="742950" lvl="1" indent="-285750">
+              <a:buFont typeface="Arial" panose="020B0604020202020204" pitchFamily="34" charset="0"/>
+              <a:buChar char="•"/>
+            </a:pPr>
+            <a:r>
+              <a:rPr lang="en-US" dirty="0"/>
+              <a:t>Prior: </a:t>
+            </a:r>
+          </a:p>
+          <a:p>
+            <a:pPr marL="1200150" lvl="2" indent="-285750">
+              <a:buFont typeface="Arial" panose="020B0604020202020204" pitchFamily="34" charset="0"/>
+              <a:buChar char="•"/>
+            </a:pPr>
+            <a:r>
+              <a:rPr lang="en-US" dirty="0"/>
+              <a:t>Adjusted, High, and Low prices variables are highly correlated </a:t>
+            </a:r>
+            <a:r>
+              <a:rPr lang="en-US" dirty="0">
+                <a:sym typeface="Wingdings" panose="05000000000000000000" pitchFamily="2" charset="2"/>
+              </a:rPr>
+              <a:t> reduce the correlation between them</a:t>
+            </a:r>
+            <a:endParaRPr lang="en-US" dirty="0"/>
+          </a:p>
+          <a:p>
+            <a:pPr marL="1200150" lvl="2" indent="-285750">
+              <a:buFont typeface="Arial" panose="020B0604020202020204" pitchFamily="34" charset="0"/>
+              <a:buChar char="•"/>
+            </a:pPr>
+            <a:r>
+              <a:rPr lang="en-US" dirty="0"/>
+              <a:t>Volume should be included</a:t>
+            </a:r>
+          </a:p>
+          <a:p>
+            <a:pPr marL="1200150" lvl="2" indent="-285750">
+              <a:buFont typeface="Arial" panose="020B0604020202020204" pitchFamily="34" charset="0"/>
+              <a:buChar char="•"/>
+            </a:pPr>
+            <a:endParaRPr lang="en-US" dirty="0"/>
+          </a:p>
+          <a:p>
+            <a:pPr marL="285750" indent="-285750">
+              <a:buFont typeface="Arial" panose="020B0604020202020204" pitchFamily="34" charset="0"/>
+              <a:buChar char="•"/>
+            </a:pPr>
+            <a:endParaRPr lang="en-US" dirty="0"/>
+          </a:p>
+          <a:p>
+            <a:pPr marL="285750" indent="-285750">
+              <a:buFont typeface="Arial" panose="020B0604020202020204" pitchFamily="34" charset="0"/>
+              <a:buChar char="•"/>
+            </a:pPr>
+            <a:endParaRPr lang="en-US" dirty="0"/>
+          </a:p>
+        </p:txBody>
+      </p:sp>
+      <p:pic>
+        <p:nvPicPr>
+          <p:cNvPr id="8" name="Picture 7">
+            <a:extLst>
+              <a:ext uri="{FF2B5EF4-FFF2-40B4-BE49-F238E27FC236}">
+                <a16:creationId xmlns:a16="http://schemas.microsoft.com/office/drawing/2014/main" id="{2E2DF323-76CB-F93E-535C-3AB584FFEDD6}"/>
+              </a:ext>
+            </a:extLst>
+          </p:cNvPr>
+          <p:cNvPicPr>
+            <a:picLocks noChangeAspect="1"/>
+          </p:cNvPicPr>
+          <p:nvPr/>
+        </p:nvPicPr>
+        <p:blipFill>
+          <a:blip r:embed="rId2"/>
+          <a:stretch>
+            <a:fillRect/>
+          </a:stretch>
+        </p:blipFill>
+        <p:spPr>
+          <a:xfrm>
+            <a:off x="6408983" y="3803580"/>
+            <a:ext cx="5170646" cy="2585323"/>
+          </a:xfrm>
+          <a:prstGeom prst="rect">
+            <a:avLst/>
+          </a:prstGeom>
+        </p:spPr>
+      </p:pic>
+      <p:pic>
+        <p:nvPicPr>
+          <p:cNvPr id="4" name="Picture 3">
+            <a:extLst>
+              <a:ext uri="{FF2B5EF4-FFF2-40B4-BE49-F238E27FC236}">
+                <a16:creationId xmlns:a16="http://schemas.microsoft.com/office/drawing/2014/main" id="{790978FA-45E0-3047-E6C7-DEF207BABE43}"/>
+              </a:ext>
+            </a:extLst>
+          </p:cNvPr>
+          <p:cNvPicPr>
+            <a:picLocks noChangeAspect="1"/>
+          </p:cNvPicPr>
+          <p:nvPr/>
+        </p:nvPicPr>
+        <p:blipFill>
+          <a:blip r:embed="rId3"/>
+          <a:stretch>
+            <a:fillRect/>
+          </a:stretch>
+        </p:blipFill>
+        <p:spPr>
+          <a:xfrm>
+            <a:off x="840779" y="3850835"/>
+            <a:ext cx="5013731" cy="2506866"/>
+          </a:xfrm>
+          <a:prstGeom prst="rect">
+            <a:avLst/>
+          </a:prstGeom>
+        </p:spPr>
+      </p:pic>
+      <p:sp>
+        <p:nvSpPr>
+          <p:cNvPr id="9" name="TextBox 8">
+            <a:extLst>
+              <a:ext uri="{FF2B5EF4-FFF2-40B4-BE49-F238E27FC236}">
+                <a16:creationId xmlns:a16="http://schemas.microsoft.com/office/drawing/2014/main" id="{31EAFDEA-A26C-7114-BDF9-72FC5E819407}"/>
+              </a:ext>
+            </a:extLst>
+          </p:cNvPr>
+          <p:cNvSpPr txBox="1"/>
+          <p:nvPr/>
+        </p:nvSpPr>
+        <p:spPr>
+          <a:xfrm>
+            <a:off x="2024053" y="6357701"/>
+            <a:ext cx="2788920" cy="276999"/>
+          </a:xfrm>
+          <a:prstGeom prst="rect">
+            <a:avLst/>
+          </a:prstGeom>
+          <a:noFill/>
+        </p:spPr>
+        <p:txBody>
+          <a:bodyPr wrap="square" rtlCol="0">
+            <a:spAutoFit/>
+          </a:bodyPr>
+          <a:lstStyle/>
+          <a:p>
+            <a:pPr algn="ctr"/>
+            <a:r>
+              <a:rPr lang="en-US" sz="1200" dirty="0"/>
+              <a:t>Previous coefficients</a:t>
+            </a:r>
+          </a:p>
+        </p:txBody>
+      </p:sp>
+      <p:sp>
+        <p:nvSpPr>
+          <p:cNvPr id="10" name="TextBox 9">
+            <a:extLst>
+              <a:ext uri="{FF2B5EF4-FFF2-40B4-BE49-F238E27FC236}">
+                <a16:creationId xmlns:a16="http://schemas.microsoft.com/office/drawing/2014/main" id="{1F2FCEF3-C122-7D68-40B6-33D0F37B9EE0}"/>
+              </a:ext>
+            </a:extLst>
+          </p:cNvPr>
+          <p:cNvSpPr txBox="1"/>
+          <p:nvPr/>
+        </p:nvSpPr>
+        <p:spPr>
+          <a:xfrm>
+            <a:off x="7758450" y="6404956"/>
+            <a:ext cx="2788920" cy="276999"/>
+          </a:xfrm>
+          <a:prstGeom prst="rect">
+            <a:avLst/>
+          </a:prstGeom>
+          <a:noFill/>
+        </p:spPr>
+        <p:txBody>
+          <a:bodyPr wrap="square" rtlCol="0">
+            <a:spAutoFit/>
+          </a:bodyPr>
+          <a:lstStyle/>
+          <a:p>
+            <a:pPr algn="ctr"/>
+            <a:r>
+              <a:rPr lang="en-US" sz="1200" dirty="0"/>
+              <a:t>Prior-added coefficients</a:t>
+            </a:r>
+          </a:p>
+        </p:txBody>
+      </p:sp>
+      <p:sp>
+        <p:nvSpPr>
+          <p:cNvPr id="6" name="Slide Number Placeholder 5">
+            <a:extLst>
+              <a:ext uri="{FF2B5EF4-FFF2-40B4-BE49-F238E27FC236}">
+                <a16:creationId xmlns:a16="http://schemas.microsoft.com/office/drawing/2014/main" id="{85E22681-F722-A231-5E78-D79B888BEDA5}"/>
+              </a:ext>
+            </a:extLst>
+          </p:cNvPr>
+          <p:cNvSpPr>
+            <a:spLocks noGrp="1"/>
+          </p:cNvSpPr>
+          <p:nvPr>
+            <p:ph type="sldNum" sz="quarter" idx="12"/>
+          </p:nvPr>
+        </p:nvSpPr>
+        <p:spPr/>
+        <p:txBody>
+          <a:bodyPr/>
+          <a:lstStyle/>
+          <a:p>
+            <a:fld id="{26CCC7B3-F9A4-4C0B-AF51-555657318CEE}" type="slidenum">
+              <a:rPr lang="en-US" smtClean="0"/>
+              <a:t>10</a:t>
+            </a:fld>
+            <a:endParaRPr lang="en-US"/>
+          </a:p>
+        </p:txBody>
+      </p:sp>
+    </p:spTree>
+    <p:extLst>
+      <p:ext uri="{BB962C8B-B14F-4D97-AF65-F5344CB8AC3E}">
+        <p14:creationId xmlns:p14="http://schemas.microsoft.com/office/powerpoint/2010/main" val="2952037176"/>
+      </p:ext>
+    </p:extLst>
+  </p:cSld>
+  <p:clrMapOvr>
+    <a:masterClrMapping/>
+  </p:clrMapOvr>
+</p:sld>
+</file>
+
+<file path=ppt/slides/slide11.xml><?xml version="1.0" encoding="utf-8"?>
+<p:sld xmlns:a="http://schemas.openxmlformats.org/drawingml/2006/main" xmlns:r="http://schemas.openxmlformats.org/officeDocument/2006/relationships" xmlns:p="http://schemas.openxmlformats.org/presentationml/2006/main">
+  <p:cSld>
+    <p:spTree>
+      <p:nvGrpSpPr>
+        <p:cNvPr id="1" name=""/>
+        <p:cNvGrpSpPr/>
+        <p:nvPr/>
+      </p:nvGrpSpPr>
+      <p:grpSpPr>
+        <a:xfrm>
+          <a:off x="0" y="0"/>
+          <a:ext cx="0" cy="0"/>
+          <a:chOff x="0" y="0"/>
+          <a:chExt cx="0" cy="0"/>
+        </a:xfrm>
+      </p:grpSpPr>
+      <p:sp>
+        <p:nvSpPr>
+          <p:cNvPr id="3" name="Subtitle 2">
+            <a:extLst>
+              <a:ext uri="{FF2B5EF4-FFF2-40B4-BE49-F238E27FC236}">
+                <a16:creationId xmlns:a16="http://schemas.microsoft.com/office/drawing/2014/main" id="{0FEAAFB1-E656-41B0-7751-7F3FF6E96E31}"/>
+              </a:ext>
+            </a:extLst>
+          </p:cNvPr>
+          <p:cNvSpPr>
+            <a:spLocks noGrp="1"/>
+          </p:cNvSpPr>
+          <p:nvPr>
+            <p:ph type="subTitle" idx="1"/>
+          </p:nvPr>
+        </p:nvSpPr>
+        <p:spPr>
+          <a:xfrm>
+            <a:off x="601287" y="453044"/>
+            <a:ext cx="10978342" cy="670704"/>
+          </a:xfrm>
+        </p:spPr>
+        <p:txBody>
+          <a:bodyPr>
+            <a:normAutofit/>
+          </a:bodyPr>
+          <a:lstStyle/>
+          <a:p>
+            <a:pPr algn="l"/>
+            <a:r>
+              <a:rPr lang="en-US" dirty="0"/>
+              <a:t>Bayesian Structural Time Series (BSTS): Prior Tuning </a:t>
+            </a:r>
+          </a:p>
+        </p:txBody>
+      </p:sp>
+      <p:pic>
+        <p:nvPicPr>
+          <p:cNvPr id="6" name="Picture 5">
+            <a:extLst>
+              <a:ext uri="{FF2B5EF4-FFF2-40B4-BE49-F238E27FC236}">
+                <a16:creationId xmlns:a16="http://schemas.microsoft.com/office/drawing/2014/main" id="{6759846A-9E2B-0638-1D65-8D07E0B43EF9}"/>
+              </a:ext>
+            </a:extLst>
+          </p:cNvPr>
+          <p:cNvPicPr>
+            <a:picLocks noChangeAspect="1"/>
+          </p:cNvPicPr>
+          <p:nvPr/>
+        </p:nvPicPr>
+        <p:blipFill>
+          <a:blip r:embed="rId2"/>
+          <a:stretch>
+            <a:fillRect/>
+          </a:stretch>
+        </p:blipFill>
+        <p:spPr>
+          <a:xfrm>
+            <a:off x="1097972" y="1287088"/>
+            <a:ext cx="9984971" cy="4992486"/>
+          </a:xfrm>
+          <a:prstGeom prst="rect">
+            <a:avLst/>
+          </a:prstGeom>
+        </p:spPr>
+      </p:pic>
+      <p:sp>
+        <p:nvSpPr>
+          <p:cNvPr id="7" name="TextBox 6">
+            <a:extLst>
+              <a:ext uri="{FF2B5EF4-FFF2-40B4-BE49-F238E27FC236}">
+                <a16:creationId xmlns:a16="http://schemas.microsoft.com/office/drawing/2014/main" id="{E8EC0EAC-B4A3-CE9B-246A-A47F15EBA113}"/>
+              </a:ext>
+            </a:extLst>
+          </p:cNvPr>
+          <p:cNvSpPr txBox="1"/>
+          <p:nvPr/>
+        </p:nvSpPr>
+        <p:spPr>
+          <a:xfrm>
+            <a:off x="4326080" y="6304414"/>
+            <a:ext cx="3528753" cy="276999"/>
+          </a:xfrm>
+          <a:prstGeom prst="rect">
+            <a:avLst/>
+          </a:prstGeom>
+          <a:noFill/>
+        </p:spPr>
+        <p:txBody>
+          <a:bodyPr wrap="square" rtlCol="0">
+            <a:spAutoFit/>
+          </a:bodyPr>
+          <a:lstStyle/>
+          <a:p>
+            <a:pPr algn="ctr"/>
+            <a:r>
+              <a:rPr lang="en-US" sz="1200" dirty="0"/>
+              <a:t>BSTS price predict on S&amp;P 500 and BTC</a:t>
+            </a:r>
+          </a:p>
+        </p:txBody>
+      </p:sp>
+      <p:sp>
+        <p:nvSpPr>
+          <p:cNvPr id="11" name="Slide Number Placeholder 10">
+            <a:extLst>
+              <a:ext uri="{FF2B5EF4-FFF2-40B4-BE49-F238E27FC236}">
+                <a16:creationId xmlns:a16="http://schemas.microsoft.com/office/drawing/2014/main" id="{6AE41F27-54CA-BF3F-E1AE-0E395F5C5DE8}"/>
+              </a:ext>
+            </a:extLst>
+          </p:cNvPr>
+          <p:cNvSpPr>
+            <a:spLocks noGrp="1"/>
+          </p:cNvSpPr>
+          <p:nvPr>
+            <p:ph type="sldNum" sz="quarter" idx="12"/>
+          </p:nvPr>
+        </p:nvSpPr>
+        <p:spPr/>
+        <p:txBody>
+          <a:bodyPr/>
+          <a:lstStyle/>
+          <a:p>
+            <a:fld id="{26CCC7B3-F9A4-4C0B-AF51-555657318CEE}" type="slidenum">
+              <a:rPr lang="en-US" smtClean="0"/>
+              <a:t>11</a:t>
+            </a:fld>
+            <a:endParaRPr lang="en-US"/>
+          </a:p>
+        </p:txBody>
+      </p:sp>
+    </p:spTree>
+    <p:extLst>
+      <p:ext uri="{BB962C8B-B14F-4D97-AF65-F5344CB8AC3E}">
+        <p14:creationId xmlns:p14="http://schemas.microsoft.com/office/powerpoint/2010/main" val="2177600325"/>
+      </p:ext>
+    </p:extLst>
+  </p:cSld>
+  <p:clrMapOvr>
+    <a:masterClrMapping/>
+  </p:clrMapOvr>
+</p:sld>
+</file>
+
+<file path=ppt/slides/slide12.xml><?xml version="1.0" encoding="utf-8"?>
+<p:sld xmlns:a="http://schemas.openxmlformats.org/drawingml/2006/main" xmlns:r="http://schemas.openxmlformats.org/officeDocument/2006/relationships" xmlns:p="http://schemas.openxmlformats.org/presentationml/2006/main">
+  <p:cSld>
+    <p:spTree>
+      <p:nvGrpSpPr>
+        <p:cNvPr id="1" name=""/>
+        <p:cNvGrpSpPr/>
+        <p:nvPr/>
+      </p:nvGrpSpPr>
+      <p:grpSpPr>
+        <a:xfrm>
+          <a:off x="0" y="0"/>
+          <a:ext cx="0" cy="0"/>
+          <a:chOff x="0" y="0"/>
+          <a:chExt cx="0" cy="0"/>
+        </a:xfrm>
+      </p:grpSpPr>
+      <p:sp>
+        <p:nvSpPr>
+          <p:cNvPr id="6" name="Subtitle 5">
+            <a:extLst>
+              <a:ext uri="{FF2B5EF4-FFF2-40B4-BE49-F238E27FC236}">
+                <a16:creationId xmlns:a16="http://schemas.microsoft.com/office/drawing/2014/main" id="{B3A949B6-FB23-AFE1-FE5B-49C507AA17A6}"/>
+              </a:ext>
+            </a:extLst>
+          </p:cNvPr>
+          <p:cNvSpPr>
+            <a:spLocks noGrp="1"/>
+          </p:cNvSpPr>
+          <p:nvPr>
+            <p:ph type="subTitle" idx="1"/>
+          </p:nvPr>
+        </p:nvSpPr>
+        <p:spPr>
+          <a:xfrm>
+            <a:off x="1627366" y="2178754"/>
+            <a:ext cx="9144000" cy="1655762"/>
+          </a:xfrm>
+        </p:spPr>
+        <p:txBody>
+          <a:bodyPr>
+            <a:normAutofit/>
+          </a:bodyPr>
+          <a:lstStyle/>
+          <a:p>
+            <a:r>
+              <a:rPr lang="en-US" sz="3000" dirty="0"/>
+              <a:t>Question</a:t>
+            </a:r>
+          </a:p>
+        </p:txBody>
+      </p:sp>
+      <p:sp>
+        <p:nvSpPr>
+          <p:cNvPr id="2" name="Slide Number Placeholder 1">
+            <a:extLst>
+              <a:ext uri="{FF2B5EF4-FFF2-40B4-BE49-F238E27FC236}">
+                <a16:creationId xmlns:a16="http://schemas.microsoft.com/office/drawing/2014/main" id="{57E53466-079F-F0BF-0C0B-996F243376B3}"/>
+              </a:ext>
+            </a:extLst>
+          </p:cNvPr>
+          <p:cNvSpPr>
+            <a:spLocks noGrp="1"/>
+          </p:cNvSpPr>
+          <p:nvPr>
+            <p:ph type="sldNum" sz="quarter" idx="12"/>
+          </p:nvPr>
+        </p:nvSpPr>
+        <p:spPr/>
+        <p:txBody>
+          <a:bodyPr/>
+          <a:lstStyle/>
+          <a:p>
+            <a:fld id="{26CCC7B3-F9A4-4C0B-AF51-555657318CEE}" type="slidenum">
+              <a:rPr lang="en-US" smtClean="0"/>
+              <a:t>12</a:t>
+            </a:fld>
+            <a:endParaRPr lang="en-US"/>
+          </a:p>
+        </p:txBody>
+      </p:sp>
+    </p:spTree>
+    <p:extLst>
+      <p:ext uri="{BB962C8B-B14F-4D97-AF65-F5344CB8AC3E}">
+        <p14:creationId xmlns:p14="http://schemas.microsoft.com/office/powerpoint/2010/main" val="1832834004"/>
       </p:ext>
     </p:extLst>
   </p:cSld>
@@ -2053,6 +3015,35 @@
               <a:rPr lang="en-US" dirty="0"/>
               <a:t>Discussion and Conclusion</a:t>
             </a:r>
+          </a:p>
+        </p:txBody>
+      </p:sp>
+      <p:sp>
+        <p:nvSpPr>
+          <p:cNvPr id="2" name="Slide Number Placeholder 1">
+            <a:extLst>
+              <a:ext uri="{FF2B5EF4-FFF2-40B4-BE49-F238E27FC236}">
+                <a16:creationId xmlns:a16="http://schemas.microsoft.com/office/drawing/2014/main" id="{1BC61E4F-651C-A466-42F3-54BC2640FA7D}"/>
+              </a:ext>
+            </a:extLst>
+          </p:cNvPr>
+          <p:cNvSpPr>
+            <a:spLocks noGrp="1"/>
+          </p:cNvSpPr>
+          <p:nvPr>
+            <p:ph type="sldNum" sz="quarter" idx="12"/>
+          </p:nvPr>
+        </p:nvSpPr>
+        <p:spPr/>
+        <p:txBody>
+          <a:bodyPr/>
+          <a:lstStyle/>
+          <a:p>
+            <a:fld id="{26CCC7B3-F9A4-4C0B-AF51-555657318CEE}" type="slidenum">
+              <a:rPr lang="en-US" smtClean="0"/>
+              <a:t>2</a:t>
+            </a:fld>
+            <a:endParaRPr lang="en-US"/>
           </a:p>
         </p:txBody>
       </p:sp>
@@ -2137,7 +3128,7 @@
         <p:spPr>
           <a:xfrm>
             <a:off x="601286" y="1558456"/>
-            <a:ext cx="7318213" cy="4524315"/>
+            <a:ext cx="10978342" cy="3970318"/>
           </a:xfrm>
           <a:prstGeom prst="rect">
             <a:avLst/>
@@ -2425,66 +3416,35 @@
           </a:p>
         </p:txBody>
       </p:sp>
-      <p:pic>
-        <p:nvPicPr>
-          <p:cNvPr id="6" name="Picture 5">
+      <p:sp>
+        <p:nvSpPr>
+          <p:cNvPr id="4" name="Slide Number Placeholder 3">
             <a:extLst>
               <a:ext uri="{FF2B5EF4-FFF2-40B4-BE49-F238E27FC236}">
-                <a16:creationId xmlns:a16="http://schemas.microsoft.com/office/drawing/2014/main" id="{55241237-EA7E-01F1-55C2-3C62E4A73D0A}"/>
+                <a16:creationId xmlns:a16="http://schemas.microsoft.com/office/drawing/2014/main" id="{32E80D55-BBDE-40D6-12C6-66C2F47037B1}"/>
               </a:ext>
             </a:extLst>
           </p:cNvPr>
-          <p:cNvPicPr>
-            <a:picLocks noChangeAspect="1"/>
-          </p:cNvPicPr>
-          <p:nvPr/>
-        </p:nvPicPr>
-        <p:blipFill>
-          <a:blip r:embed="rId2"/>
-          <a:stretch>
-            <a:fillRect/>
-          </a:stretch>
-        </p:blipFill>
-        <p:spPr>
-          <a:xfrm>
-            <a:off x="7847937" y="1349416"/>
-            <a:ext cx="4059803" cy="2614082"/>
-          </a:xfrm>
-          <a:prstGeom prst="rect">
-            <a:avLst/>
-          </a:prstGeom>
-        </p:spPr>
-      </p:pic>
-      <p:pic>
-        <p:nvPicPr>
-          <p:cNvPr id="8" name="Picture 7">
-            <a:extLst>
-              <a:ext uri="{FF2B5EF4-FFF2-40B4-BE49-F238E27FC236}">
-                <a16:creationId xmlns:a16="http://schemas.microsoft.com/office/drawing/2014/main" id="{E51BA20B-4CAF-90A0-700F-FE2405BB510B}"/>
-              </a:ext>
-            </a:extLst>
-          </p:cNvPr>
-          <p:cNvPicPr>
-            <a:picLocks noChangeAspect="1"/>
-          </p:cNvPicPr>
-          <p:nvPr/>
-        </p:nvPicPr>
-        <p:blipFill>
-          <a:blip r:embed="rId3"/>
-          <a:stretch>
-            <a:fillRect/>
-          </a:stretch>
-        </p:blipFill>
-        <p:spPr>
-          <a:xfrm>
-            <a:off x="7847937" y="4024553"/>
-            <a:ext cx="4059803" cy="2494719"/>
-          </a:xfrm>
-          <a:prstGeom prst="rect">
-            <a:avLst/>
-          </a:prstGeom>
-        </p:spPr>
-      </p:pic>
+          <p:cNvSpPr>
+            <a:spLocks noGrp="1"/>
+          </p:cNvSpPr>
+          <p:nvPr>
+            <p:ph type="sldNum" sz="quarter" idx="12"/>
+          </p:nvPr>
+        </p:nvSpPr>
+        <p:spPr/>
+        <p:txBody>
+          <a:bodyPr/>
+          <a:lstStyle/>
+          <a:p>
+            <a:fld id="{26CCC7B3-F9A4-4C0B-AF51-555657318CEE}" type="slidenum">
+              <a:rPr lang="en-US" smtClean="0"/>
+              <a:t>3</a:t>
+            </a:fld>
+            <a:endParaRPr lang="en-US"/>
+          </a:p>
+        </p:txBody>
+      </p:sp>
     </p:spTree>
     <p:extLst>
       <p:ext uri="{BB962C8B-B14F-4D97-AF65-F5344CB8AC3E}">
@@ -2546,13 +3506,168 @@
             <a:pPr algn="l"/>
             <a:r>
               <a:rPr lang="en-US" dirty="0"/>
+              <a:t>Introduction and Background</a:t>
+            </a:r>
+          </a:p>
+        </p:txBody>
+      </p:sp>
+      <p:pic>
+        <p:nvPicPr>
+          <p:cNvPr id="6" name="Picture 5">
+            <a:extLst>
+              <a:ext uri="{FF2B5EF4-FFF2-40B4-BE49-F238E27FC236}">
+                <a16:creationId xmlns:a16="http://schemas.microsoft.com/office/drawing/2014/main" id="{55241237-EA7E-01F1-55C2-3C62E4A73D0A}"/>
+              </a:ext>
+            </a:extLst>
+          </p:cNvPr>
+          <p:cNvPicPr>
+            <a:picLocks noChangeAspect="1"/>
+          </p:cNvPicPr>
+          <p:nvPr/>
+        </p:nvPicPr>
+        <p:blipFill>
+          <a:blip r:embed="rId2"/>
+          <a:stretch>
+            <a:fillRect/>
+          </a:stretch>
+        </p:blipFill>
+        <p:spPr>
+          <a:xfrm>
+            <a:off x="290030" y="1785834"/>
+            <a:ext cx="5650342" cy="3638220"/>
+          </a:xfrm>
+          <a:prstGeom prst="rect">
+            <a:avLst/>
+          </a:prstGeom>
+        </p:spPr>
+      </p:pic>
+      <p:pic>
+        <p:nvPicPr>
+          <p:cNvPr id="8" name="Picture 7">
+            <a:extLst>
+              <a:ext uri="{FF2B5EF4-FFF2-40B4-BE49-F238E27FC236}">
+                <a16:creationId xmlns:a16="http://schemas.microsoft.com/office/drawing/2014/main" id="{E51BA20B-4CAF-90A0-700F-FE2405BB510B}"/>
+              </a:ext>
+            </a:extLst>
+          </p:cNvPr>
+          <p:cNvPicPr>
+            <a:picLocks noChangeAspect="1"/>
+          </p:cNvPicPr>
+          <p:nvPr/>
+        </p:nvPicPr>
+        <p:blipFill>
+          <a:blip r:embed="rId3"/>
+          <a:stretch>
+            <a:fillRect/>
+          </a:stretch>
+        </p:blipFill>
+        <p:spPr>
+          <a:xfrm>
+            <a:off x="5981281" y="1785834"/>
+            <a:ext cx="5920689" cy="3638220"/>
+          </a:xfrm>
+          <a:prstGeom prst="rect">
+            <a:avLst/>
+          </a:prstGeom>
+        </p:spPr>
+      </p:pic>
+      <p:sp>
+        <p:nvSpPr>
+          <p:cNvPr id="4" name="Slide Number Placeholder 3">
+            <a:extLst>
+              <a:ext uri="{FF2B5EF4-FFF2-40B4-BE49-F238E27FC236}">
+                <a16:creationId xmlns:a16="http://schemas.microsoft.com/office/drawing/2014/main" id="{F7AD064E-B422-D539-ADFC-A19F23FD4D24}"/>
+              </a:ext>
+            </a:extLst>
+          </p:cNvPr>
+          <p:cNvSpPr>
+            <a:spLocks noGrp="1"/>
+          </p:cNvSpPr>
+          <p:nvPr>
+            <p:ph type="sldNum" sz="quarter" idx="12"/>
+          </p:nvPr>
+        </p:nvSpPr>
+        <p:spPr/>
+        <p:txBody>
+          <a:bodyPr/>
+          <a:lstStyle/>
+          <a:p>
+            <a:fld id="{26CCC7B3-F9A4-4C0B-AF51-555657318CEE}" type="slidenum">
+              <a:rPr lang="en-US" smtClean="0"/>
+              <a:t>4</a:t>
+            </a:fld>
+            <a:endParaRPr lang="en-US"/>
+          </a:p>
+        </p:txBody>
+      </p:sp>
+    </p:spTree>
+    <p:extLst>
+      <p:ext uri="{BB962C8B-B14F-4D97-AF65-F5344CB8AC3E}">
+        <p14:creationId xmlns:p14="http://schemas.microsoft.com/office/powerpoint/2010/main" val="1475593839"/>
+      </p:ext>
+    </p:extLst>
+  </p:cSld>
+  <p:clrMapOvr>
+    <a:masterClrMapping/>
+  </p:clrMapOvr>
+</p:sld>
+</file>
+
+<file path=ppt/slides/slide5.xml><?xml version="1.0" encoding="utf-8"?>
+<p:sld xmlns:a="http://schemas.openxmlformats.org/drawingml/2006/main" xmlns:r="http://schemas.openxmlformats.org/officeDocument/2006/relationships" xmlns:p="http://schemas.openxmlformats.org/presentationml/2006/main">
+  <p:cSld>
+    <p:spTree>
+      <p:nvGrpSpPr>
+        <p:cNvPr id="1" name=""/>
+        <p:cNvGrpSpPr/>
+        <p:nvPr/>
+      </p:nvGrpSpPr>
+      <p:grpSpPr>
+        <a:xfrm>
+          <a:off x="0" y="0"/>
+          <a:ext cx="0" cy="0"/>
+          <a:chOff x="0" y="0"/>
+          <a:chExt cx="0" cy="0"/>
+        </a:xfrm>
+      </p:grpSpPr>
+      <p:sp>
+        <p:nvSpPr>
+          <p:cNvPr id="3" name="Subtitle 2">
+            <a:extLst>
+              <a:ext uri="{FF2B5EF4-FFF2-40B4-BE49-F238E27FC236}">
+                <a16:creationId xmlns:a16="http://schemas.microsoft.com/office/drawing/2014/main" id="{0FEAAFB1-E656-41B0-7751-7F3FF6E96E31}"/>
+              </a:ext>
+            </a:extLst>
+          </p:cNvPr>
+          <p:cNvSpPr>
+            <a:spLocks noGrp="1"/>
+          </p:cNvSpPr>
+          <p:nvPr>
+            <p:ph type="subTitle" idx="1"/>
+          </p:nvPr>
+        </p:nvSpPr>
+        <p:spPr>
+          <a:xfrm>
+            <a:off x="601287" y="453044"/>
+            <a:ext cx="10978342" cy="670704"/>
+          </a:xfrm>
+        </p:spPr>
+        <p:txBody>
+          <a:bodyPr>
+            <a:normAutofit/>
+          </a:bodyPr>
+          <a:lstStyle/>
+          <a:p>
+            <a:pPr algn="l"/>
+            <a:r>
+              <a:rPr lang="en-US" dirty="0"/>
               <a:t>Time Series Decomposition</a:t>
             </a:r>
           </a:p>
         </p:txBody>
       </p:sp>
-      <mc:AlternateContent xmlns:mc="http://schemas.openxmlformats.org/markup-compatibility/2006" xmlns:a14="http://schemas.microsoft.com/office/drawing/2010/main">
-        <mc:Choice Requires="a14">
+      <mc:AlternateContent xmlns:mc="http://schemas.openxmlformats.org/markup-compatibility/2006">
+        <mc:Choice xmlns:a14="http://schemas.microsoft.com/office/drawing/2010/main" Requires="a14">
           <p:sp>
             <p:nvSpPr>
               <p:cNvPr id="2" name="TextBox 1">
@@ -2568,7 +3683,7 @@
             <p:spPr>
               <a:xfrm>
                 <a:off x="601286" y="1558456"/>
-                <a:ext cx="7137863" cy="3416320"/>
+                <a:ext cx="10978342" cy="3416320"/>
               </a:xfrm>
               <a:prstGeom prst="rect">
                 <a:avLst/>
@@ -2818,7 +3933,7 @@
             </p:txBody>
           </p:sp>
         </mc:Choice>
-        <mc:Fallback xmlns="">
+        <mc:Fallback>
           <p:sp>
             <p:nvSpPr>
               <p:cNvPr id="2" name="TextBox 1">
@@ -2836,7 +3951,7 @@
             <p:spPr>
               <a:xfrm>
                 <a:off x="601286" y="1558456"/>
-                <a:ext cx="7137863" cy="3416320"/>
+                <a:ext cx="10978342" cy="3416320"/>
               </a:xfrm>
               <a:prstGeom prst="rect">
                 <a:avLst/>
@@ -2844,7 +3959,7 @@
               <a:blipFill>
                 <a:blip r:embed="rId2"/>
                 <a:stretch>
-                  <a:fillRect l="-598" t="-893"/>
+                  <a:fillRect l="-389" t="-893"/>
                 </a:stretch>
               </a:blipFill>
             </p:spPr>
@@ -2893,72 +4008,12 @@
           </a:prstGeom>
         </p:spPr>
       </p:pic>
-      <p:pic>
-        <p:nvPicPr>
-          <p:cNvPr id="11" name="Picture 10">
+      <p:sp>
+        <p:nvSpPr>
+          <p:cNvPr id="4" name="Slide Number Placeholder 3">
             <a:extLst>
               <a:ext uri="{FF2B5EF4-FFF2-40B4-BE49-F238E27FC236}">
-                <a16:creationId xmlns:a16="http://schemas.microsoft.com/office/drawing/2014/main" id="{05CBF953-EC7F-4FA5-E874-3DDB59BFB439}"/>
-              </a:ext>
-            </a:extLst>
-          </p:cNvPr>
-          <p:cNvPicPr>
-            <a:picLocks noChangeAspect="1"/>
-          </p:cNvPicPr>
-          <p:nvPr/>
-        </p:nvPicPr>
-        <p:blipFill>
-          <a:blip r:embed="rId4"/>
-          <a:stretch>
-            <a:fillRect/>
-          </a:stretch>
-        </p:blipFill>
-        <p:spPr>
-          <a:xfrm>
-            <a:off x="7638243" y="1648977"/>
-            <a:ext cx="4069433" cy="3989416"/>
-          </a:xfrm>
-          <a:prstGeom prst="rect">
-            <a:avLst/>
-          </a:prstGeom>
-        </p:spPr>
-      </p:pic>
-    </p:spTree>
-    <p:extLst>
-      <p:ext uri="{BB962C8B-B14F-4D97-AF65-F5344CB8AC3E}">
-        <p14:creationId xmlns:p14="http://schemas.microsoft.com/office/powerpoint/2010/main" val="2684824006"/>
-      </p:ext>
-    </p:extLst>
-  </p:cSld>
-  <p:clrMapOvr>
-    <a:masterClrMapping/>
-  </p:clrMapOvr>
-</p:sld>
-</file>
-
-<file path=ppt/slides/slide5.xml><?xml version="1.0" encoding="utf-8"?>
-<p:sld xmlns:a="http://schemas.openxmlformats.org/drawingml/2006/main" xmlns:r="http://schemas.openxmlformats.org/officeDocument/2006/relationships" xmlns:p="http://schemas.openxmlformats.org/presentationml/2006/main">
-  <p:cSld>
-    <p:spTree>
-      <p:nvGrpSpPr>
-        <p:cNvPr id="1" name=""/>
-        <p:cNvGrpSpPr/>
-        <p:nvPr/>
-      </p:nvGrpSpPr>
-      <p:grpSpPr>
-        <a:xfrm>
-          <a:off x="0" y="0"/>
-          <a:ext cx="0" cy="0"/>
-          <a:chOff x="0" y="0"/>
-          <a:chExt cx="0" cy="0"/>
-        </a:xfrm>
-      </p:grpSpPr>
-      <p:sp>
-        <p:nvSpPr>
-          <p:cNvPr id="3" name="Subtitle 2">
-            <a:extLst>
-              <a:ext uri="{FF2B5EF4-FFF2-40B4-BE49-F238E27FC236}">
-                <a16:creationId xmlns:a16="http://schemas.microsoft.com/office/drawing/2014/main" id="{0FEAAFB1-E656-41B0-7751-7F3FF6E96E31}"/>
+                <a16:creationId xmlns:a16="http://schemas.microsoft.com/office/drawing/2014/main" id="{3A84B1F8-DB48-2D55-05B2-57E6191DD1F5}"/>
               </a:ext>
             </a:extLst>
           </p:cNvPr>
@@ -2966,297 +4021,26 @@
             <a:spLocks noGrp="1"/>
           </p:cNvSpPr>
           <p:nvPr>
-            <p:ph type="subTitle" idx="1"/>
+            <p:ph type="sldNum" sz="quarter" idx="12"/>
           </p:nvPr>
         </p:nvSpPr>
-        <p:spPr>
-          <a:xfrm>
-            <a:off x="601287" y="453044"/>
-            <a:ext cx="10978342" cy="670704"/>
-          </a:xfrm>
-        </p:spPr>
-        <p:txBody>
-          <a:bodyPr>
-            <a:normAutofit/>
-          </a:bodyPr>
+        <p:spPr/>
+        <p:txBody>
+          <a:bodyPr/>
           <a:lstStyle/>
           <a:p>
-            <a:pPr algn="l"/>
-            <a:r>
-              <a:rPr lang="en-US" dirty="0" err="1"/>
-              <a:t>AutoRegressive</a:t>
-            </a:r>
-            <a:r>
-              <a:rPr lang="en-US" dirty="0"/>
-              <a:t> Integrated Moving Average (ARIMA)</a:t>
-            </a:r>
-          </a:p>
-        </p:txBody>
-      </p:sp>
-      <p:sp>
-        <p:nvSpPr>
-          <p:cNvPr id="2" name="TextBox 1">
-            <a:extLst>
-              <a:ext uri="{FF2B5EF4-FFF2-40B4-BE49-F238E27FC236}">
-                <a16:creationId xmlns:a16="http://schemas.microsoft.com/office/drawing/2014/main" id="{6E2BB7D6-7763-51A8-233F-65D52A0A4130}"/>
-              </a:ext>
-            </a:extLst>
-          </p:cNvPr>
-          <p:cNvSpPr txBox="1"/>
-          <p:nvPr/>
-        </p:nvSpPr>
-        <p:spPr>
-          <a:xfrm>
-            <a:off x="601287" y="1558456"/>
-            <a:ext cx="6264414" cy="4247317"/>
-          </a:xfrm>
-          <a:prstGeom prst="rect">
-            <a:avLst/>
-          </a:prstGeom>
-          <a:noFill/>
-        </p:spPr>
-        <p:txBody>
-          <a:bodyPr wrap="square" rtlCol="0">
-            <a:spAutoFit/>
-          </a:bodyPr>
-          <a:lstStyle/>
-          <a:p>
-            <a:pPr marL="285750" indent="-285750">
-              <a:buFont typeface="Arial" panose="020B0604020202020204" pitchFamily="34" charset="0"/>
-              <a:buChar char="•"/>
-            </a:pPr>
-            <a:r>
-              <a:rPr lang="en-US" dirty="0"/>
-              <a:t>Autoregressive Model (AR): shows a changing variable that regresses on its own lagged, or prior values.</a:t>
-            </a:r>
-          </a:p>
-          <a:p>
-            <a:pPr marL="285750" indent="-285750">
-              <a:buFont typeface="Arial" panose="020B0604020202020204" pitchFamily="34" charset="0"/>
-              <a:buChar char="•"/>
-            </a:pPr>
-            <a:endParaRPr lang="en-US" dirty="0"/>
-          </a:p>
-          <a:p>
-            <a:pPr marL="285750" indent="-285750">
-              <a:buFont typeface="Arial" panose="020B0604020202020204" pitchFamily="34" charset="0"/>
-              <a:buChar char="•"/>
-            </a:pPr>
-            <a:endParaRPr lang="en-US" dirty="0"/>
-          </a:p>
-          <a:p>
-            <a:pPr marL="285750" indent="-285750">
-              <a:buFont typeface="Arial" panose="020B0604020202020204" pitchFamily="34" charset="0"/>
-              <a:buChar char="•"/>
-            </a:pPr>
-            <a:r>
-              <a:rPr lang="en-US" dirty="0"/>
-              <a:t>Moving Average Model (MA): Incorporates the dependency between an observation and a residual error from a moving average model applied to lagged observations.</a:t>
-            </a:r>
-          </a:p>
-          <a:p>
-            <a:pPr marL="285750" indent="-285750">
-              <a:buFont typeface="Arial" panose="020B0604020202020204" pitchFamily="34" charset="0"/>
-              <a:buChar char="•"/>
-            </a:pPr>
-            <a:endParaRPr lang="en-US" dirty="0"/>
-          </a:p>
-          <a:p>
-            <a:pPr marL="285750" indent="-285750">
-              <a:buFont typeface="Arial" panose="020B0604020202020204" pitchFamily="34" charset="0"/>
-              <a:buChar char="•"/>
-            </a:pPr>
-            <a:endParaRPr lang="en-US" dirty="0"/>
-          </a:p>
-          <a:p>
-            <a:pPr marL="285750" indent="-285750">
-              <a:buFont typeface="Arial" panose="020B0604020202020204" pitchFamily="34" charset="0"/>
-              <a:buChar char="•"/>
-            </a:pPr>
-            <a:r>
-              <a:rPr lang="en-US" dirty="0"/>
-              <a:t>ARIMA: combines differencing with autoregression and a moving average model</a:t>
-            </a:r>
-          </a:p>
-          <a:p>
-            <a:pPr marL="285750" indent="-285750">
-              <a:buFont typeface="Arial" panose="020B0604020202020204" pitchFamily="34" charset="0"/>
-              <a:buChar char="•"/>
-            </a:pPr>
-            <a:endParaRPr lang="en-US" dirty="0"/>
-          </a:p>
-          <a:p>
-            <a:pPr lvl="1"/>
-            <a:br>
-              <a:rPr lang="en-US" dirty="0"/>
-            </a:br>
-            <a:r>
-              <a:rPr lang="en-US" dirty="0"/>
-              <a:t> </a:t>
-            </a:r>
-          </a:p>
-        </p:txBody>
-      </p:sp>
-      <p:pic>
-        <p:nvPicPr>
-          <p:cNvPr id="5" name="Picture 4">
-            <a:extLst>
-              <a:ext uri="{FF2B5EF4-FFF2-40B4-BE49-F238E27FC236}">
-                <a16:creationId xmlns:a16="http://schemas.microsoft.com/office/drawing/2014/main" id="{FEBD2DAB-1B18-FE6A-5FC7-9D934FADC70E}"/>
-              </a:ext>
-            </a:extLst>
-          </p:cNvPr>
-          <p:cNvPicPr>
-            <a:picLocks noChangeAspect="1"/>
-          </p:cNvPicPr>
-          <p:nvPr/>
-        </p:nvPicPr>
-        <p:blipFill>
-          <a:blip r:embed="rId2"/>
-          <a:stretch>
-            <a:fillRect/>
-          </a:stretch>
-        </p:blipFill>
-        <p:spPr>
-          <a:xfrm>
-            <a:off x="1958635" y="2194663"/>
-            <a:ext cx="3704484" cy="460779"/>
-          </a:xfrm>
-          <a:prstGeom prst="rect">
-            <a:avLst/>
-          </a:prstGeom>
-        </p:spPr>
-      </p:pic>
-      <p:pic>
-        <p:nvPicPr>
-          <p:cNvPr id="7" name="Picture 6">
-            <a:extLst>
-              <a:ext uri="{FF2B5EF4-FFF2-40B4-BE49-F238E27FC236}">
-                <a16:creationId xmlns:a16="http://schemas.microsoft.com/office/drawing/2014/main" id="{5EA50C1F-14B5-3307-0302-93D335B51D62}"/>
-              </a:ext>
-            </a:extLst>
-          </p:cNvPr>
-          <p:cNvPicPr>
-            <a:picLocks noChangeAspect="1"/>
-          </p:cNvPicPr>
-          <p:nvPr/>
-        </p:nvPicPr>
-        <p:blipFill>
-          <a:blip r:embed="rId3"/>
-          <a:stretch>
-            <a:fillRect/>
-          </a:stretch>
-        </p:blipFill>
-        <p:spPr>
-          <a:xfrm>
-            <a:off x="1958635" y="3867609"/>
-            <a:ext cx="3768072" cy="308113"/>
-          </a:xfrm>
-          <a:prstGeom prst="rect">
-            <a:avLst/>
-          </a:prstGeom>
-        </p:spPr>
-      </p:pic>
-      <p:pic>
-        <p:nvPicPr>
-          <p:cNvPr id="10" name="Picture 9">
-            <a:extLst>
-              <a:ext uri="{FF2B5EF4-FFF2-40B4-BE49-F238E27FC236}">
-                <a16:creationId xmlns:a16="http://schemas.microsoft.com/office/drawing/2014/main" id="{C46AC72A-56B5-D380-A7A8-6439C2628021}"/>
-              </a:ext>
-            </a:extLst>
-          </p:cNvPr>
-          <p:cNvPicPr>
-            <a:picLocks noChangeAspect="1"/>
-          </p:cNvPicPr>
-          <p:nvPr/>
-        </p:nvPicPr>
-        <p:blipFill>
-          <a:blip r:embed="rId4"/>
-          <a:stretch>
-            <a:fillRect/>
-          </a:stretch>
-        </p:blipFill>
-        <p:spPr>
-          <a:xfrm>
-            <a:off x="1958635" y="4940039"/>
-            <a:ext cx="3925330" cy="417260"/>
-          </a:xfrm>
-          <a:prstGeom prst="rect">
-            <a:avLst/>
-          </a:prstGeom>
-        </p:spPr>
-      </p:pic>
-      <p:pic>
-        <p:nvPicPr>
-          <p:cNvPr id="13" name="Picture 12">
-            <a:extLst>
-              <a:ext uri="{FF2B5EF4-FFF2-40B4-BE49-F238E27FC236}">
-                <a16:creationId xmlns:a16="http://schemas.microsoft.com/office/drawing/2014/main" id="{34D0C9DA-2CB8-39E3-4529-3C4C3618B1C2}"/>
-              </a:ext>
-            </a:extLst>
-          </p:cNvPr>
-          <p:cNvPicPr>
-            <a:picLocks noChangeAspect="1"/>
-          </p:cNvPicPr>
-          <p:nvPr/>
-        </p:nvPicPr>
-        <p:blipFill>
-          <a:blip r:embed="rId5"/>
-          <a:stretch>
-            <a:fillRect/>
-          </a:stretch>
-        </p:blipFill>
-        <p:spPr>
-          <a:xfrm>
-            <a:off x="6830100" y="2400330"/>
-            <a:ext cx="4987542" cy="2539709"/>
-          </a:xfrm>
-          <a:prstGeom prst="rect">
-            <a:avLst/>
-          </a:prstGeom>
-        </p:spPr>
-      </p:pic>
-      <p:sp>
-        <p:nvSpPr>
-          <p:cNvPr id="4" name="TextBox 3">
-            <a:extLst>
-              <a:ext uri="{FF2B5EF4-FFF2-40B4-BE49-F238E27FC236}">
-                <a16:creationId xmlns:a16="http://schemas.microsoft.com/office/drawing/2014/main" id="{4BF50C61-67E2-4C09-DA6F-593573DB9D9C}"/>
-              </a:ext>
-            </a:extLst>
-          </p:cNvPr>
-          <p:cNvSpPr txBox="1"/>
-          <p:nvPr/>
-        </p:nvSpPr>
-        <p:spPr>
-          <a:xfrm>
-            <a:off x="7789025" y="5062451"/>
-            <a:ext cx="3528753" cy="276999"/>
-          </a:xfrm>
-          <a:prstGeom prst="rect">
-            <a:avLst/>
-          </a:prstGeom>
-          <a:noFill/>
-        </p:spPr>
-        <p:txBody>
-          <a:bodyPr wrap="square" rtlCol="0">
-            <a:spAutoFit/>
-          </a:bodyPr>
-          <a:lstStyle/>
-          <a:p>
-            <a:pPr algn="ctr"/>
-            <a:r>
-              <a:rPr lang="en-US" sz="1200" dirty="0"/>
-              <a:t>ARIMA price predict on S&amp;P 500 and BTC</a:t>
-            </a:r>
+            <a:fld id="{26CCC7B3-F9A4-4C0B-AF51-555657318CEE}" type="slidenum">
+              <a:rPr lang="en-US" smtClean="0"/>
+              <a:t>5</a:t>
+            </a:fld>
+            <a:endParaRPr lang="en-US"/>
           </a:p>
         </p:txBody>
       </p:sp>
     </p:spTree>
     <p:extLst>
       <p:ext uri="{BB962C8B-B14F-4D97-AF65-F5344CB8AC3E}">
-        <p14:creationId xmlns:p14="http://schemas.microsoft.com/office/powerpoint/2010/main" val="4284690555"/>
+        <p14:creationId xmlns:p14="http://schemas.microsoft.com/office/powerpoint/2010/main" val="3007074450"/>
       </p:ext>
     </p:extLst>
   </p:cSld>
@@ -3314,13 +4098,596 @@
             <a:pPr algn="l"/>
             <a:r>
               <a:rPr lang="en-US" dirty="0"/>
+              <a:t>Time Series Decomposition</a:t>
+            </a:r>
+          </a:p>
+        </p:txBody>
+      </p:sp>
+      <p:pic>
+        <p:nvPicPr>
+          <p:cNvPr id="11" name="Picture 10">
+            <a:extLst>
+              <a:ext uri="{FF2B5EF4-FFF2-40B4-BE49-F238E27FC236}">
+                <a16:creationId xmlns:a16="http://schemas.microsoft.com/office/drawing/2014/main" id="{05CBF953-EC7F-4FA5-E874-3DDB59BFB439}"/>
+              </a:ext>
+            </a:extLst>
+          </p:cNvPr>
+          <p:cNvPicPr>
+            <a:picLocks noChangeAspect="1"/>
+          </p:cNvPicPr>
+          <p:nvPr/>
+        </p:nvPicPr>
+        <p:blipFill>
+          <a:blip r:embed="rId2"/>
+          <a:stretch>
+            <a:fillRect/>
+          </a:stretch>
+        </p:blipFill>
+        <p:spPr>
+          <a:xfrm>
+            <a:off x="844594" y="1445315"/>
+            <a:ext cx="10502812" cy="4855732"/>
+          </a:xfrm>
+          <a:prstGeom prst="rect">
+            <a:avLst/>
+          </a:prstGeom>
+        </p:spPr>
+      </p:pic>
+      <p:sp>
+        <p:nvSpPr>
+          <p:cNvPr id="6" name="Slide Number Placeholder 5">
+            <a:extLst>
+              <a:ext uri="{FF2B5EF4-FFF2-40B4-BE49-F238E27FC236}">
+                <a16:creationId xmlns:a16="http://schemas.microsoft.com/office/drawing/2014/main" id="{6480F3DE-579C-B607-5D4D-8340E38277D9}"/>
+              </a:ext>
+            </a:extLst>
+          </p:cNvPr>
+          <p:cNvSpPr>
+            <a:spLocks noGrp="1"/>
+          </p:cNvSpPr>
+          <p:nvPr>
+            <p:ph type="sldNum" sz="quarter" idx="12"/>
+          </p:nvPr>
+        </p:nvSpPr>
+        <p:spPr/>
+        <p:txBody>
+          <a:bodyPr/>
+          <a:lstStyle/>
+          <a:p>
+            <a:fld id="{26CCC7B3-F9A4-4C0B-AF51-555657318CEE}" type="slidenum">
+              <a:rPr lang="en-US" smtClean="0"/>
+              <a:t>6</a:t>
+            </a:fld>
+            <a:endParaRPr lang="en-US"/>
+          </a:p>
+        </p:txBody>
+      </p:sp>
+    </p:spTree>
+    <p:extLst>
+      <p:ext uri="{BB962C8B-B14F-4D97-AF65-F5344CB8AC3E}">
+        <p14:creationId xmlns:p14="http://schemas.microsoft.com/office/powerpoint/2010/main" val="2684824006"/>
+      </p:ext>
+    </p:extLst>
+  </p:cSld>
+  <p:clrMapOvr>
+    <a:masterClrMapping/>
+  </p:clrMapOvr>
+</p:sld>
+</file>
+
+<file path=ppt/slides/slide7.xml><?xml version="1.0" encoding="utf-8"?>
+<p:sld xmlns:a="http://schemas.openxmlformats.org/drawingml/2006/main" xmlns:r="http://schemas.openxmlformats.org/officeDocument/2006/relationships" xmlns:p="http://schemas.openxmlformats.org/presentationml/2006/main">
+  <p:cSld>
+    <p:spTree>
+      <p:nvGrpSpPr>
+        <p:cNvPr id="1" name=""/>
+        <p:cNvGrpSpPr/>
+        <p:nvPr/>
+      </p:nvGrpSpPr>
+      <p:grpSpPr>
+        <a:xfrm>
+          <a:off x="0" y="0"/>
+          <a:ext cx="0" cy="0"/>
+          <a:chOff x="0" y="0"/>
+          <a:chExt cx="0" cy="0"/>
+        </a:xfrm>
+      </p:grpSpPr>
+      <p:sp>
+        <p:nvSpPr>
+          <p:cNvPr id="3" name="Subtitle 2">
+            <a:extLst>
+              <a:ext uri="{FF2B5EF4-FFF2-40B4-BE49-F238E27FC236}">
+                <a16:creationId xmlns:a16="http://schemas.microsoft.com/office/drawing/2014/main" id="{0FEAAFB1-E656-41B0-7751-7F3FF6E96E31}"/>
+              </a:ext>
+            </a:extLst>
+          </p:cNvPr>
+          <p:cNvSpPr>
+            <a:spLocks noGrp="1"/>
+          </p:cNvSpPr>
+          <p:nvPr>
+            <p:ph type="subTitle" idx="1"/>
+          </p:nvPr>
+        </p:nvSpPr>
+        <p:spPr>
+          <a:xfrm>
+            <a:off x="601287" y="453044"/>
+            <a:ext cx="10978342" cy="670704"/>
+          </a:xfrm>
+        </p:spPr>
+        <p:txBody>
+          <a:bodyPr>
+            <a:normAutofit/>
+          </a:bodyPr>
+          <a:lstStyle/>
+          <a:p>
+            <a:pPr algn="l"/>
+            <a:r>
+              <a:rPr lang="en-US" dirty="0" err="1"/>
+              <a:t>AutoRegressive</a:t>
+            </a:r>
+            <a:r>
+              <a:rPr lang="en-US" dirty="0"/>
+              <a:t> Integrated Moving Average (ARIMA)</a:t>
+            </a:r>
+          </a:p>
+        </p:txBody>
+      </p:sp>
+      <p:sp>
+        <p:nvSpPr>
+          <p:cNvPr id="2" name="TextBox 1">
+            <a:extLst>
+              <a:ext uri="{FF2B5EF4-FFF2-40B4-BE49-F238E27FC236}">
+                <a16:creationId xmlns:a16="http://schemas.microsoft.com/office/drawing/2014/main" id="{6E2BB7D6-7763-51A8-233F-65D52A0A4130}"/>
+              </a:ext>
+            </a:extLst>
+          </p:cNvPr>
+          <p:cNvSpPr txBox="1"/>
+          <p:nvPr/>
+        </p:nvSpPr>
+        <p:spPr>
+          <a:xfrm>
+            <a:off x="601287" y="1558456"/>
+            <a:ext cx="10978342" cy="3139321"/>
+          </a:xfrm>
+          <a:prstGeom prst="rect">
+            <a:avLst/>
+          </a:prstGeom>
+          <a:noFill/>
+        </p:spPr>
+        <p:txBody>
+          <a:bodyPr wrap="square" rtlCol="0">
+            <a:spAutoFit/>
+          </a:bodyPr>
+          <a:lstStyle/>
+          <a:p>
+            <a:pPr marL="285750" indent="-285750">
+              <a:buFont typeface="Arial" panose="020B0604020202020204" pitchFamily="34" charset="0"/>
+              <a:buChar char="•"/>
+            </a:pPr>
+            <a:r>
+              <a:rPr lang="en-US" dirty="0"/>
+              <a:t>Autoregressive Model (AR): shows a changing variable that regresses on its own lagged, or prior values.</a:t>
+            </a:r>
+          </a:p>
+          <a:p>
+            <a:pPr marL="285750" indent="-285750">
+              <a:buFont typeface="Arial" panose="020B0604020202020204" pitchFamily="34" charset="0"/>
+              <a:buChar char="•"/>
+            </a:pPr>
+            <a:endParaRPr lang="en-US" dirty="0"/>
+          </a:p>
+          <a:p>
+            <a:pPr marL="285750" indent="-285750">
+              <a:buFont typeface="Arial" panose="020B0604020202020204" pitchFamily="34" charset="0"/>
+              <a:buChar char="•"/>
+            </a:pPr>
+            <a:endParaRPr lang="en-US" dirty="0"/>
+          </a:p>
+          <a:p>
+            <a:pPr marL="285750" indent="-285750">
+              <a:buFont typeface="Arial" panose="020B0604020202020204" pitchFamily="34" charset="0"/>
+              <a:buChar char="•"/>
+            </a:pPr>
+            <a:r>
+              <a:rPr lang="en-US" dirty="0"/>
+              <a:t>Moving Average Model (MA): Incorporates the dependency between an observation and a residual error from a moving average model applied to lagged observations.</a:t>
+            </a:r>
+          </a:p>
+          <a:p>
+            <a:pPr marL="285750" indent="-285750">
+              <a:buFont typeface="Arial" panose="020B0604020202020204" pitchFamily="34" charset="0"/>
+              <a:buChar char="•"/>
+            </a:pPr>
+            <a:endParaRPr lang="en-US" dirty="0"/>
+          </a:p>
+          <a:p>
+            <a:pPr marL="285750" indent="-285750">
+              <a:buFont typeface="Arial" panose="020B0604020202020204" pitchFamily="34" charset="0"/>
+              <a:buChar char="•"/>
+            </a:pPr>
+            <a:endParaRPr lang="en-US" dirty="0"/>
+          </a:p>
+          <a:p>
+            <a:pPr marL="285750" indent="-285750">
+              <a:buFont typeface="Arial" panose="020B0604020202020204" pitchFamily="34" charset="0"/>
+              <a:buChar char="•"/>
+            </a:pPr>
+            <a:r>
+              <a:rPr lang="en-US" dirty="0"/>
+              <a:t>ARIMA: combines differencing with autoregression and a moving average model</a:t>
+            </a:r>
+          </a:p>
+          <a:p>
+            <a:pPr marL="285750" indent="-285750">
+              <a:buFont typeface="Arial" panose="020B0604020202020204" pitchFamily="34" charset="0"/>
+              <a:buChar char="•"/>
+            </a:pPr>
+            <a:endParaRPr lang="en-US" dirty="0"/>
+          </a:p>
+          <a:p>
+            <a:pPr lvl="1"/>
+            <a:br>
+              <a:rPr lang="en-US" dirty="0"/>
+            </a:br>
+            <a:r>
+              <a:rPr lang="en-US" dirty="0"/>
+              <a:t> </a:t>
+            </a:r>
+          </a:p>
+        </p:txBody>
+      </p:sp>
+      <p:pic>
+        <p:nvPicPr>
+          <p:cNvPr id="5" name="Picture 4">
+            <a:extLst>
+              <a:ext uri="{FF2B5EF4-FFF2-40B4-BE49-F238E27FC236}">
+                <a16:creationId xmlns:a16="http://schemas.microsoft.com/office/drawing/2014/main" id="{FEBD2DAB-1B18-FE6A-5FC7-9D934FADC70E}"/>
+              </a:ext>
+            </a:extLst>
+          </p:cNvPr>
+          <p:cNvPicPr>
+            <a:picLocks noChangeAspect="1"/>
+          </p:cNvPicPr>
+          <p:nvPr/>
+        </p:nvPicPr>
+        <p:blipFill>
+          <a:blip r:embed="rId2"/>
+          <a:stretch>
+            <a:fillRect/>
+          </a:stretch>
+        </p:blipFill>
+        <p:spPr>
+          <a:xfrm>
+            <a:off x="4031723" y="1936969"/>
+            <a:ext cx="3704484" cy="460779"/>
+          </a:xfrm>
+          <a:prstGeom prst="rect">
+            <a:avLst/>
+          </a:prstGeom>
+        </p:spPr>
+      </p:pic>
+      <p:pic>
+        <p:nvPicPr>
+          <p:cNvPr id="7" name="Picture 6">
+            <a:extLst>
+              <a:ext uri="{FF2B5EF4-FFF2-40B4-BE49-F238E27FC236}">
+                <a16:creationId xmlns:a16="http://schemas.microsoft.com/office/drawing/2014/main" id="{5EA50C1F-14B5-3307-0302-93D335B51D62}"/>
+              </a:ext>
+            </a:extLst>
+          </p:cNvPr>
+          <p:cNvPicPr>
+            <a:picLocks noChangeAspect="1"/>
+          </p:cNvPicPr>
+          <p:nvPr/>
+        </p:nvPicPr>
+        <p:blipFill>
+          <a:blip r:embed="rId3"/>
+          <a:stretch>
+            <a:fillRect/>
+          </a:stretch>
+        </p:blipFill>
+        <p:spPr>
+          <a:xfrm>
+            <a:off x="3999929" y="3066352"/>
+            <a:ext cx="3768072" cy="308113"/>
+          </a:xfrm>
+          <a:prstGeom prst="rect">
+            <a:avLst/>
+          </a:prstGeom>
+        </p:spPr>
+      </p:pic>
+      <p:pic>
+        <p:nvPicPr>
+          <p:cNvPr id="10" name="Picture 9">
+            <a:extLst>
+              <a:ext uri="{FF2B5EF4-FFF2-40B4-BE49-F238E27FC236}">
+                <a16:creationId xmlns:a16="http://schemas.microsoft.com/office/drawing/2014/main" id="{C46AC72A-56B5-D380-A7A8-6439C2628021}"/>
+              </a:ext>
+            </a:extLst>
+          </p:cNvPr>
+          <p:cNvPicPr>
+            <a:picLocks noChangeAspect="1"/>
+          </p:cNvPicPr>
+          <p:nvPr/>
+        </p:nvPicPr>
+        <p:blipFill>
+          <a:blip r:embed="rId4"/>
+          <a:stretch>
+            <a:fillRect/>
+          </a:stretch>
+        </p:blipFill>
+        <p:spPr>
+          <a:xfrm>
+            <a:off x="3921300" y="3905644"/>
+            <a:ext cx="3925330" cy="417260"/>
+          </a:xfrm>
+          <a:prstGeom prst="rect">
+            <a:avLst/>
+          </a:prstGeom>
+        </p:spPr>
+      </p:pic>
+      <p:sp>
+        <p:nvSpPr>
+          <p:cNvPr id="6" name="Slide Number Placeholder 5">
+            <a:extLst>
+              <a:ext uri="{FF2B5EF4-FFF2-40B4-BE49-F238E27FC236}">
+                <a16:creationId xmlns:a16="http://schemas.microsoft.com/office/drawing/2014/main" id="{F8F4206D-57A1-FC5B-3ACC-D115E929BFD8}"/>
+              </a:ext>
+            </a:extLst>
+          </p:cNvPr>
+          <p:cNvSpPr>
+            <a:spLocks noGrp="1"/>
+          </p:cNvSpPr>
+          <p:nvPr>
+            <p:ph type="sldNum" sz="quarter" idx="12"/>
+          </p:nvPr>
+        </p:nvSpPr>
+        <p:spPr/>
+        <p:txBody>
+          <a:bodyPr/>
+          <a:lstStyle/>
+          <a:p>
+            <a:fld id="{26CCC7B3-F9A4-4C0B-AF51-555657318CEE}" type="slidenum">
+              <a:rPr lang="en-US" smtClean="0"/>
+              <a:t>7</a:t>
+            </a:fld>
+            <a:endParaRPr lang="en-US"/>
+          </a:p>
+        </p:txBody>
+      </p:sp>
+    </p:spTree>
+    <p:extLst>
+      <p:ext uri="{BB962C8B-B14F-4D97-AF65-F5344CB8AC3E}">
+        <p14:creationId xmlns:p14="http://schemas.microsoft.com/office/powerpoint/2010/main" val="4284690555"/>
+      </p:ext>
+    </p:extLst>
+  </p:cSld>
+  <p:clrMapOvr>
+    <a:masterClrMapping/>
+  </p:clrMapOvr>
+</p:sld>
+</file>
+
+<file path=ppt/slides/slide8.xml><?xml version="1.0" encoding="utf-8"?>
+<p:sld xmlns:a="http://schemas.openxmlformats.org/drawingml/2006/main" xmlns:r="http://schemas.openxmlformats.org/officeDocument/2006/relationships" xmlns:p="http://schemas.openxmlformats.org/presentationml/2006/main">
+  <p:cSld>
+    <p:spTree>
+      <p:nvGrpSpPr>
+        <p:cNvPr id="1" name=""/>
+        <p:cNvGrpSpPr/>
+        <p:nvPr/>
+      </p:nvGrpSpPr>
+      <p:grpSpPr>
+        <a:xfrm>
+          <a:off x="0" y="0"/>
+          <a:ext cx="0" cy="0"/>
+          <a:chOff x="0" y="0"/>
+          <a:chExt cx="0" cy="0"/>
+        </a:xfrm>
+      </p:grpSpPr>
+      <p:sp>
+        <p:nvSpPr>
+          <p:cNvPr id="3" name="Subtitle 2">
+            <a:extLst>
+              <a:ext uri="{FF2B5EF4-FFF2-40B4-BE49-F238E27FC236}">
+                <a16:creationId xmlns:a16="http://schemas.microsoft.com/office/drawing/2014/main" id="{0FEAAFB1-E656-41B0-7751-7F3FF6E96E31}"/>
+              </a:ext>
+            </a:extLst>
+          </p:cNvPr>
+          <p:cNvSpPr>
+            <a:spLocks noGrp="1"/>
+          </p:cNvSpPr>
+          <p:nvPr>
+            <p:ph type="subTitle" idx="1"/>
+          </p:nvPr>
+        </p:nvSpPr>
+        <p:spPr>
+          <a:xfrm>
+            <a:off x="601287" y="453044"/>
+            <a:ext cx="10978342" cy="670704"/>
+          </a:xfrm>
+        </p:spPr>
+        <p:txBody>
+          <a:bodyPr>
+            <a:normAutofit/>
+          </a:bodyPr>
+          <a:lstStyle/>
+          <a:p>
+            <a:pPr algn="l"/>
+            <a:r>
+              <a:rPr lang="en-US" dirty="0" err="1"/>
+              <a:t>AutoRegressive</a:t>
+            </a:r>
+            <a:r>
+              <a:rPr lang="en-US" dirty="0"/>
+              <a:t> Integrated Moving Average (ARIMA)</a:t>
+            </a:r>
+          </a:p>
+        </p:txBody>
+      </p:sp>
+      <p:pic>
+        <p:nvPicPr>
+          <p:cNvPr id="13" name="Picture 12">
+            <a:extLst>
+              <a:ext uri="{FF2B5EF4-FFF2-40B4-BE49-F238E27FC236}">
+                <a16:creationId xmlns:a16="http://schemas.microsoft.com/office/drawing/2014/main" id="{34D0C9DA-2CB8-39E3-4529-3C4C3618B1C2}"/>
+              </a:ext>
+            </a:extLst>
+          </p:cNvPr>
+          <p:cNvPicPr>
+            <a:picLocks noChangeAspect="1"/>
+          </p:cNvPicPr>
+          <p:nvPr/>
+        </p:nvPicPr>
+        <p:blipFill>
+          <a:blip r:embed="rId2"/>
+          <a:stretch>
+            <a:fillRect/>
+          </a:stretch>
+        </p:blipFill>
+        <p:spPr>
+          <a:xfrm>
+            <a:off x="1465953" y="1311363"/>
+            <a:ext cx="9249009" cy="4709693"/>
+          </a:xfrm>
+          <a:prstGeom prst="rect">
+            <a:avLst/>
+          </a:prstGeom>
+        </p:spPr>
+      </p:pic>
+      <p:sp>
+        <p:nvSpPr>
+          <p:cNvPr id="4" name="TextBox 3">
+            <a:extLst>
+              <a:ext uri="{FF2B5EF4-FFF2-40B4-BE49-F238E27FC236}">
+                <a16:creationId xmlns:a16="http://schemas.microsoft.com/office/drawing/2014/main" id="{4BF50C61-67E2-4C09-DA6F-593573DB9D9C}"/>
+              </a:ext>
+            </a:extLst>
+          </p:cNvPr>
+          <p:cNvSpPr txBox="1"/>
+          <p:nvPr/>
+        </p:nvSpPr>
+        <p:spPr>
+          <a:xfrm>
+            <a:off x="4326080" y="6127957"/>
+            <a:ext cx="3528753" cy="276999"/>
+          </a:xfrm>
+          <a:prstGeom prst="rect">
+            <a:avLst/>
+          </a:prstGeom>
+          <a:noFill/>
+        </p:spPr>
+        <p:txBody>
+          <a:bodyPr wrap="square" rtlCol="0">
+            <a:spAutoFit/>
+          </a:bodyPr>
+          <a:lstStyle/>
+          <a:p>
+            <a:pPr algn="ctr"/>
+            <a:r>
+              <a:rPr lang="en-US" sz="1200" dirty="0"/>
+              <a:t>ARIMA price predict on S&amp;P 500 and BTC</a:t>
+            </a:r>
+          </a:p>
+        </p:txBody>
+      </p:sp>
+      <p:sp>
+        <p:nvSpPr>
+          <p:cNvPr id="6" name="Slide Number Placeholder 5">
+            <a:extLst>
+              <a:ext uri="{FF2B5EF4-FFF2-40B4-BE49-F238E27FC236}">
+                <a16:creationId xmlns:a16="http://schemas.microsoft.com/office/drawing/2014/main" id="{FC4AA245-E4EE-4201-00C5-0AF554F395B2}"/>
+              </a:ext>
+            </a:extLst>
+          </p:cNvPr>
+          <p:cNvSpPr>
+            <a:spLocks noGrp="1"/>
+          </p:cNvSpPr>
+          <p:nvPr>
+            <p:ph type="sldNum" sz="quarter" idx="12"/>
+          </p:nvPr>
+        </p:nvSpPr>
+        <p:spPr/>
+        <p:txBody>
+          <a:bodyPr/>
+          <a:lstStyle/>
+          <a:p>
+            <a:fld id="{26CCC7B3-F9A4-4C0B-AF51-555657318CEE}" type="slidenum">
+              <a:rPr lang="en-US" smtClean="0"/>
+              <a:t>8</a:t>
+            </a:fld>
+            <a:endParaRPr lang="en-US"/>
+          </a:p>
+        </p:txBody>
+      </p:sp>
+    </p:spTree>
+    <p:extLst>
+      <p:ext uri="{BB962C8B-B14F-4D97-AF65-F5344CB8AC3E}">
+        <p14:creationId xmlns:p14="http://schemas.microsoft.com/office/powerpoint/2010/main" val="3675824422"/>
+      </p:ext>
+    </p:extLst>
+  </p:cSld>
+  <p:clrMapOvr>
+    <a:masterClrMapping/>
+  </p:clrMapOvr>
+</p:sld>
+</file>
+
+<file path=ppt/slides/slide9.xml><?xml version="1.0" encoding="utf-8"?>
+<p:sld xmlns:a="http://schemas.openxmlformats.org/drawingml/2006/main" xmlns:r="http://schemas.openxmlformats.org/officeDocument/2006/relationships" xmlns:p="http://schemas.openxmlformats.org/presentationml/2006/main">
+  <p:cSld>
+    <p:spTree>
+      <p:nvGrpSpPr>
+        <p:cNvPr id="1" name=""/>
+        <p:cNvGrpSpPr/>
+        <p:nvPr/>
+      </p:nvGrpSpPr>
+      <p:grpSpPr>
+        <a:xfrm>
+          <a:off x="0" y="0"/>
+          <a:ext cx="0" cy="0"/>
+          <a:chOff x="0" y="0"/>
+          <a:chExt cx="0" cy="0"/>
+        </a:xfrm>
+      </p:grpSpPr>
+      <p:sp>
+        <p:nvSpPr>
+          <p:cNvPr id="3" name="Subtitle 2">
+            <a:extLst>
+              <a:ext uri="{FF2B5EF4-FFF2-40B4-BE49-F238E27FC236}">
+                <a16:creationId xmlns:a16="http://schemas.microsoft.com/office/drawing/2014/main" id="{0FEAAFB1-E656-41B0-7751-7F3FF6E96E31}"/>
+              </a:ext>
+            </a:extLst>
+          </p:cNvPr>
+          <p:cNvSpPr>
+            <a:spLocks noGrp="1"/>
+          </p:cNvSpPr>
+          <p:nvPr>
+            <p:ph type="subTitle" idx="1"/>
+          </p:nvPr>
+        </p:nvSpPr>
+        <p:spPr>
+          <a:xfrm>
+            <a:off x="601287" y="453044"/>
+            <a:ext cx="10978342" cy="670704"/>
+          </a:xfrm>
+        </p:spPr>
+        <p:txBody>
+          <a:bodyPr>
+            <a:normAutofit/>
+          </a:bodyPr>
+          <a:lstStyle/>
+          <a:p>
+            <a:pPr algn="l"/>
+            <a:r>
+              <a:rPr lang="en-US" dirty="0"/>
               <a:t>Bayesian Structural Time Series (BSTS)</a:t>
             </a:r>
           </a:p>
         </p:txBody>
       </p:sp>
-      <mc:AlternateContent xmlns:mc="http://schemas.openxmlformats.org/markup-compatibility/2006" xmlns:a14="http://schemas.microsoft.com/office/drawing/2010/main">
-        <mc:Choice Requires="a14">
+      <mc:AlternateContent xmlns:mc="http://schemas.openxmlformats.org/markup-compatibility/2006">
+        <mc:Choice xmlns:a14="http://schemas.microsoft.com/office/drawing/2010/main" Requires="a14">
           <p:sp>
             <p:nvSpPr>
               <p:cNvPr id="2" name="TextBox 1">
@@ -3336,7 +4703,7 @@
             <p:spPr>
               <a:xfrm>
                 <a:off x="601287" y="1558456"/>
-                <a:ext cx="6264414" cy="3970318"/>
+                <a:ext cx="3900055" cy="4524315"/>
               </a:xfrm>
               <a:prstGeom prst="rect">
                 <a:avLst/>
@@ -3548,7 +4915,7 @@
             </p:txBody>
           </p:sp>
         </mc:Choice>
-        <mc:Fallback xmlns="">
+        <mc:Fallback>
           <p:sp>
             <p:nvSpPr>
               <p:cNvPr id="2" name="TextBox 1">
@@ -3566,7 +4933,7 @@
             <p:spPr>
               <a:xfrm>
                 <a:off x="601287" y="1558456"/>
-                <a:ext cx="6264414" cy="3970318"/>
+                <a:ext cx="3900055" cy="4524315"/>
               </a:xfrm>
               <a:prstGeom prst="rect">
                 <a:avLst/>
@@ -3574,7 +4941,7 @@
               <a:blipFill>
                 <a:blip r:embed="rId2"/>
                 <a:stretch>
-                  <a:fillRect l="-682"/>
+                  <a:fillRect l="-1095"/>
                 </a:stretch>
               </a:blipFill>
             </p:spPr>
@@ -3615,7 +4982,7 @@
         </p:blipFill>
         <p:spPr>
           <a:xfrm>
-            <a:off x="1958635" y="2184218"/>
+            <a:off x="1200884" y="2209156"/>
             <a:ext cx="3029213" cy="986876"/>
           </a:xfrm>
           <a:prstGeom prst="rect">
@@ -3645,38 +5012,8 @@
         </p:blipFill>
         <p:spPr>
           <a:xfrm>
-            <a:off x="6865701" y="1397110"/>
-            <a:ext cx="4788009" cy="2394005"/>
-          </a:xfrm>
-          <a:prstGeom prst="rect">
-            <a:avLst/>
-          </a:prstGeom>
-        </p:spPr>
-      </p:pic>
-      <p:pic>
-        <p:nvPicPr>
-          <p:cNvPr id="12" name="Picture 11">
-            <a:extLst>
-              <a:ext uri="{FF2B5EF4-FFF2-40B4-BE49-F238E27FC236}">
-                <a16:creationId xmlns:a16="http://schemas.microsoft.com/office/drawing/2014/main" id="{010AE07D-F96F-97B3-A8A9-4BB8928E809C}"/>
-              </a:ext>
-            </a:extLst>
-          </p:cNvPr>
-          <p:cNvPicPr>
-            <a:picLocks noChangeAspect="1"/>
-          </p:cNvPicPr>
-          <p:nvPr/>
-        </p:nvPicPr>
-        <p:blipFill>
-          <a:blip r:embed="rId5"/>
-          <a:stretch>
-            <a:fillRect/>
-          </a:stretch>
-        </p:blipFill>
-        <p:spPr>
-          <a:xfrm>
-            <a:off x="6865701" y="3934598"/>
-            <a:ext cx="4788009" cy="2394005"/>
+            <a:off x="4650971" y="2016408"/>
+            <a:ext cx="7132028" cy="3473435"/>
           </a:xfrm>
           <a:prstGeom prst="rect">
             <a:avLst/>
@@ -3697,7 +5034,7 @@
         </p:nvSpPr>
         <p:spPr>
           <a:xfrm>
-            <a:off x="7701741" y="6333586"/>
+            <a:off x="6570950" y="5489844"/>
             <a:ext cx="3528753" cy="276999"/>
           </a:xfrm>
           <a:prstGeom prst="rect">
@@ -3713,52 +5050,18 @@
           <a:p>
             <a:pPr algn="ctr"/>
             <a:r>
-              <a:rPr lang="en-US" sz="1200"/>
-              <a:t>BSTS </a:t>
-            </a:r>
-            <a:r>
               <a:rPr lang="en-US" sz="1200" dirty="0"/>
-              <a:t>price predict on S&amp;P 500 and BTC</a:t>
-            </a:r>
-          </a:p>
-        </p:txBody>
-      </p:sp>
-    </p:spTree>
-    <p:extLst>
-      <p:ext uri="{BB962C8B-B14F-4D97-AF65-F5344CB8AC3E}">
-        <p14:creationId xmlns:p14="http://schemas.microsoft.com/office/powerpoint/2010/main" val="938801804"/>
-      </p:ext>
-    </p:extLst>
-  </p:cSld>
-  <p:clrMapOvr>
-    <a:masterClrMapping/>
-  </p:clrMapOvr>
-</p:sld>
-</file>
-
-<file path=ppt/slides/slide7.xml><?xml version="1.0" encoding="utf-8"?>
-<p:sld xmlns:a="http://schemas.openxmlformats.org/drawingml/2006/main" xmlns:r="http://schemas.openxmlformats.org/officeDocument/2006/relationships" xmlns:p="http://schemas.openxmlformats.org/presentationml/2006/main">
-  <p:cSld>
-    <p:spTree>
-      <p:nvGrpSpPr>
-        <p:cNvPr id="1" name=""/>
-        <p:cNvGrpSpPr/>
-        <p:nvPr/>
-      </p:nvGrpSpPr>
-      <p:grpSpPr>
-        <a:xfrm>
-          <a:off x="0" y="0"/>
-          <a:ext cx="0" cy="0"/>
-          <a:chOff x="0" y="0"/>
-          <a:chExt cx="0" cy="0"/>
-        </a:xfrm>
-      </p:grpSpPr>
-      <p:sp>
-        <p:nvSpPr>
-          <p:cNvPr id="3" name="Subtitle 2">
+              <a:t>BSTS price predict on S&amp;P 500 and BTC</a:t>
+            </a:r>
+          </a:p>
+        </p:txBody>
+      </p:sp>
+      <p:sp>
+        <p:nvSpPr>
+          <p:cNvPr id="5" name="Slide Number Placeholder 4">
             <a:extLst>
               <a:ext uri="{FF2B5EF4-FFF2-40B4-BE49-F238E27FC236}">
-                <a16:creationId xmlns:a16="http://schemas.microsoft.com/office/drawing/2014/main" id="{0FEAAFB1-E656-41B0-7751-7F3FF6E96E31}"/>
+                <a16:creationId xmlns:a16="http://schemas.microsoft.com/office/drawing/2014/main" id="{FEF85793-77FA-3B91-3659-56BD227A60B7}"/>
               </a:ext>
             </a:extLst>
           </p:cNvPr>
@@ -3766,354 +5069,26 @@
             <a:spLocks noGrp="1"/>
           </p:cNvSpPr>
           <p:nvPr>
-            <p:ph type="subTitle" idx="1"/>
+            <p:ph type="sldNum" sz="quarter" idx="12"/>
           </p:nvPr>
         </p:nvSpPr>
-        <p:spPr>
-          <a:xfrm>
-            <a:off x="601287" y="453044"/>
-            <a:ext cx="10978342" cy="670704"/>
-          </a:xfrm>
-        </p:spPr>
-        <p:txBody>
-          <a:bodyPr>
-            <a:normAutofit/>
-          </a:bodyPr>
+        <p:spPr/>
+        <p:txBody>
+          <a:bodyPr/>
           <a:lstStyle/>
           <a:p>
-            <a:pPr algn="l"/>
-            <a:r>
-              <a:rPr lang="en-US" dirty="0"/>
-              <a:t>Bayesian Structural Time Series (BSTS): Prior Tuning </a:t>
-            </a:r>
-          </a:p>
-        </p:txBody>
-      </p:sp>
-      <p:sp>
-        <p:nvSpPr>
-          <p:cNvPr id="2" name="TextBox 1">
-            <a:extLst>
-              <a:ext uri="{FF2B5EF4-FFF2-40B4-BE49-F238E27FC236}">
-                <a16:creationId xmlns:a16="http://schemas.microsoft.com/office/drawing/2014/main" id="{6E2BB7D6-7763-51A8-233F-65D52A0A4130}"/>
-              </a:ext>
-            </a:extLst>
-          </p:cNvPr>
-          <p:cNvSpPr txBox="1"/>
-          <p:nvPr/>
-        </p:nvSpPr>
-        <p:spPr>
-          <a:xfrm>
-            <a:off x="286306" y="1265512"/>
-            <a:ext cx="6264414" cy="2585323"/>
-          </a:xfrm>
-          <a:prstGeom prst="rect">
-            <a:avLst/>
-          </a:prstGeom>
-          <a:noFill/>
-        </p:spPr>
-        <p:txBody>
-          <a:bodyPr wrap="square" rtlCol="0">
-            <a:spAutoFit/>
-          </a:bodyPr>
-          <a:lstStyle/>
-          <a:p>
-            <a:pPr marL="285750" indent="-285750">
-              <a:buFont typeface="Arial" panose="020B0604020202020204" pitchFamily="34" charset="0"/>
-              <a:buChar char="•"/>
-            </a:pPr>
-            <a:endParaRPr lang="en-US" dirty="0"/>
-          </a:p>
-          <a:p>
-            <a:pPr marL="742950" lvl="1" indent="-285750">
-              <a:buFont typeface="Arial" panose="020B0604020202020204" pitchFamily="34" charset="0"/>
-              <a:buChar char="•"/>
-            </a:pPr>
-            <a:r>
-              <a:rPr lang="en-US" dirty="0"/>
-              <a:t>Prior: </a:t>
-            </a:r>
-          </a:p>
-          <a:p>
-            <a:pPr marL="1200150" lvl="2" indent="-285750">
-              <a:buFont typeface="Arial" panose="020B0604020202020204" pitchFamily="34" charset="0"/>
-              <a:buChar char="•"/>
-            </a:pPr>
-            <a:r>
-              <a:rPr lang="en-US" dirty="0"/>
-              <a:t>Adjusted, High, and Low prices variables are highly correlated </a:t>
-            </a:r>
-            <a:r>
-              <a:rPr lang="en-US" dirty="0">
-                <a:sym typeface="Wingdings" panose="05000000000000000000" pitchFamily="2" charset="2"/>
-              </a:rPr>
-              <a:t> reduce the correlation between them</a:t>
-            </a:r>
-            <a:endParaRPr lang="en-US" dirty="0"/>
-          </a:p>
-          <a:p>
-            <a:pPr marL="1200150" lvl="2" indent="-285750">
-              <a:buFont typeface="Arial" panose="020B0604020202020204" pitchFamily="34" charset="0"/>
-              <a:buChar char="•"/>
-            </a:pPr>
-            <a:r>
-              <a:rPr lang="en-US" dirty="0"/>
-              <a:t>Volume should be included</a:t>
-            </a:r>
-          </a:p>
-          <a:p>
-            <a:pPr marL="1200150" lvl="2" indent="-285750">
-              <a:buFont typeface="Arial" panose="020B0604020202020204" pitchFamily="34" charset="0"/>
-              <a:buChar char="•"/>
-            </a:pPr>
-            <a:endParaRPr lang="en-US" dirty="0"/>
-          </a:p>
-          <a:p>
-            <a:pPr marL="285750" indent="-285750">
-              <a:buFont typeface="Arial" panose="020B0604020202020204" pitchFamily="34" charset="0"/>
-              <a:buChar char="•"/>
-            </a:pPr>
-            <a:endParaRPr lang="en-US" dirty="0"/>
-          </a:p>
-          <a:p>
-            <a:pPr marL="285750" indent="-285750">
-              <a:buFont typeface="Arial" panose="020B0604020202020204" pitchFamily="34" charset="0"/>
-              <a:buChar char="•"/>
-            </a:pPr>
-            <a:endParaRPr lang="en-US" dirty="0"/>
-          </a:p>
-        </p:txBody>
-      </p:sp>
-      <p:pic>
-        <p:nvPicPr>
-          <p:cNvPr id="5" name="Picture 4">
-            <a:extLst>
-              <a:ext uri="{FF2B5EF4-FFF2-40B4-BE49-F238E27FC236}">
-                <a16:creationId xmlns:a16="http://schemas.microsoft.com/office/drawing/2014/main" id="{4EE7B780-95CE-4FC9-C5AC-F107A11C486A}"/>
-              </a:ext>
-            </a:extLst>
-          </p:cNvPr>
-          <p:cNvPicPr>
-            <a:picLocks noChangeAspect="1"/>
-          </p:cNvPicPr>
-          <p:nvPr/>
-        </p:nvPicPr>
-        <p:blipFill>
-          <a:blip r:embed="rId2"/>
-          <a:stretch>
-            <a:fillRect/>
-          </a:stretch>
-        </p:blipFill>
-        <p:spPr>
-          <a:xfrm>
-            <a:off x="6408983" y="1218257"/>
-            <a:ext cx="5170646" cy="2585323"/>
-          </a:xfrm>
-          <a:prstGeom prst="rect">
-            <a:avLst/>
-          </a:prstGeom>
-        </p:spPr>
-      </p:pic>
-      <p:pic>
-        <p:nvPicPr>
-          <p:cNvPr id="8" name="Picture 7">
-            <a:extLst>
-              <a:ext uri="{FF2B5EF4-FFF2-40B4-BE49-F238E27FC236}">
-                <a16:creationId xmlns:a16="http://schemas.microsoft.com/office/drawing/2014/main" id="{2E2DF323-76CB-F93E-535C-3AB584FFEDD6}"/>
-              </a:ext>
-            </a:extLst>
-          </p:cNvPr>
-          <p:cNvPicPr>
-            <a:picLocks noChangeAspect="1"/>
-          </p:cNvPicPr>
-          <p:nvPr/>
-        </p:nvPicPr>
-        <p:blipFill>
-          <a:blip r:embed="rId3"/>
-          <a:stretch>
-            <a:fillRect/>
-          </a:stretch>
-        </p:blipFill>
-        <p:spPr>
-          <a:xfrm>
-            <a:off x="6408983" y="3803580"/>
-            <a:ext cx="5170646" cy="2585323"/>
-          </a:xfrm>
-          <a:prstGeom prst="rect">
-            <a:avLst/>
-          </a:prstGeom>
-        </p:spPr>
-      </p:pic>
-      <p:pic>
-        <p:nvPicPr>
-          <p:cNvPr id="4" name="Picture 3">
-            <a:extLst>
-              <a:ext uri="{FF2B5EF4-FFF2-40B4-BE49-F238E27FC236}">
-                <a16:creationId xmlns:a16="http://schemas.microsoft.com/office/drawing/2014/main" id="{790978FA-45E0-3047-E6C7-DEF207BABE43}"/>
-              </a:ext>
-            </a:extLst>
-          </p:cNvPr>
-          <p:cNvPicPr>
-            <a:picLocks noChangeAspect="1"/>
-          </p:cNvPicPr>
-          <p:nvPr/>
-        </p:nvPicPr>
-        <p:blipFill>
-          <a:blip r:embed="rId4"/>
-          <a:stretch>
-            <a:fillRect/>
-          </a:stretch>
-        </p:blipFill>
-        <p:spPr>
-          <a:xfrm>
-            <a:off x="840779" y="3850835"/>
-            <a:ext cx="5013731" cy="2506866"/>
-          </a:xfrm>
-          <a:prstGeom prst="rect">
-            <a:avLst/>
-          </a:prstGeom>
-        </p:spPr>
-      </p:pic>
-      <p:sp>
-        <p:nvSpPr>
-          <p:cNvPr id="9" name="TextBox 8">
-            <a:extLst>
-              <a:ext uri="{FF2B5EF4-FFF2-40B4-BE49-F238E27FC236}">
-                <a16:creationId xmlns:a16="http://schemas.microsoft.com/office/drawing/2014/main" id="{31EAFDEA-A26C-7114-BDF9-72FC5E819407}"/>
-              </a:ext>
-            </a:extLst>
-          </p:cNvPr>
-          <p:cNvSpPr txBox="1"/>
-          <p:nvPr/>
-        </p:nvSpPr>
-        <p:spPr>
-          <a:xfrm>
-            <a:off x="2024053" y="6357701"/>
-            <a:ext cx="2788920" cy="276999"/>
-          </a:xfrm>
-          <a:prstGeom prst="rect">
-            <a:avLst/>
-          </a:prstGeom>
-          <a:noFill/>
-        </p:spPr>
-        <p:txBody>
-          <a:bodyPr wrap="square" rtlCol="0">
-            <a:spAutoFit/>
-          </a:bodyPr>
-          <a:lstStyle/>
-          <a:p>
-            <a:pPr algn="ctr"/>
-            <a:r>
-              <a:rPr lang="en-US" sz="1200" dirty="0"/>
-              <a:t>Previous coefficients</a:t>
-            </a:r>
-          </a:p>
-        </p:txBody>
-      </p:sp>
-      <p:sp>
-        <p:nvSpPr>
-          <p:cNvPr id="10" name="TextBox 9">
-            <a:extLst>
-              <a:ext uri="{FF2B5EF4-FFF2-40B4-BE49-F238E27FC236}">
-                <a16:creationId xmlns:a16="http://schemas.microsoft.com/office/drawing/2014/main" id="{1F2FCEF3-C122-7D68-40B6-33D0F37B9EE0}"/>
-              </a:ext>
-            </a:extLst>
-          </p:cNvPr>
-          <p:cNvSpPr txBox="1"/>
-          <p:nvPr/>
-        </p:nvSpPr>
-        <p:spPr>
-          <a:xfrm>
-            <a:off x="7758450" y="6404956"/>
-            <a:ext cx="2788920" cy="276999"/>
-          </a:xfrm>
-          <a:prstGeom prst="rect">
-            <a:avLst/>
-          </a:prstGeom>
-          <a:noFill/>
-        </p:spPr>
-        <p:txBody>
-          <a:bodyPr wrap="square" rtlCol="0">
-            <a:spAutoFit/>
-          </a:bodyPr>
-          <a:lstStyle/>
-          <a:p>
-            <a:pPr algn="ctr"/>
-            <a:r>
-              <a:rPr lang="en-US" sz="1200" dirty="0"/>
-              <a:t>Prior-added coefficients</a:t>
-            </a:r>
+            <a:fld id="{26CCC7B3-F9A4-4C0B-AF51-555657318CEE}" type="slidenum">
+              <a:rPr lang="en-US" smtClean="0"/>
+              <a:t>9</a:t>
+            </a:fld>
+            <a:endParaRPr lang="en-US"/>
           </a:p>
         </p:txBody>
       </p:sp>
     </p:spTree>
     <p:extLst>
       <p:ext uri="{BB962C8B-B14F-4D97-AF65-F5344CB8AC3E}">
-        <p14:creationId xmlns:p14="http://schemas.microsoft.com/office/powerpoint/2010/main" val="2952037176"/>
-      </p:ext>
-    </p:extLst>
-  </p:cSld>
-  <p:clrMapOvr>
-    <a:masterClrMapping/>
-  </p:clrMapOvr>
-</p:sld>
-</file>
-
-<file path=ppt/slides/slide8.xml><?xml version="1.0" encoding="utf-8"?>
-<p:sld xmlns:a="http://schemas.openxmlformats.org/drawingml/2006/main" xmlns:r="http://schemas.openxmlformats.org/officeDocument/2006/relationships" xmlns:p="http://schemas.openxmlformats.org/presentationml/2006/main">
-  <p:cSld>
-    <p:spTree>
-      <p:nvGrpSpPr>
-        <p:cNvPr id="1" name=""/>
-        <p:cNvGrpSpPr/>
-        <p:nvPr/>
-      </p:nvGrpSpPr>
-      <p:grpSpPr>
-        <a:xfrm>
-          <a:off x="0" y="0"/>
-          <a:ext cx="0" cy="0"/>
-          <a:chOff x="0" y="0"/>
-          <a:chExt cx="0" cy="0"/>
-        </a:xfrm>
-      </p:grpSpPr>
-      <p:sp>
-        <p:nvSpPr>
-          <p:cNvPr id="6" name="Subtitle 5">
-            <a:extLst>
-              <a:ext uri="{FF2B5EF4-FFF2-40B4-BE49-F238E27FC236}">
-                <a16:creationId xmlns:a16="http://schemas.microsoft.com/office/drawing/2014/main" id="{B3A949B6-FB23-AFE1-FE5B-49C507AA17A6}"/>
-              </a:ext>
-            </a:extLst>
-          </p:cNvPr>
-          <p:cNvSpPr>
-            <a:spLocks noGrp="1"/>
-          </p:cNvSpPr>
-          <p:nvPr>
-            <p:ph type="subTitle" idx="1"/>
-          </p:nvPr>
-        </p:nvSpPr>
-        <p:spPr>
-          <a:xfrm>
-            <a:off x="1627366" y="2178754"/>
-            <a:ext cx="9144000" cy="1655762"/>
-          </a:xfrm>
-        </p:spPr>
-        <p:txBody>
-          <a:bodyPr>
-            <a:normAutofit/>
-          </a:bodyPr>
-          <a:lstStyle/>
-          <a:p>
-            <a:r>
-              <a:rPr lang="en-US" sz="3000" dirty="0"/>
-              <a:t>Question</a:t>
-            </a:r>
-          </a:p>
-        </p:txBody>
-      </p:sp>
-    </p:spTree>
-    <p:extLst>
-      <p:ext uri="{BB962C8B-B14F-4D97-AF65-F5344CB8AC3E}">
-        <p14:creationId xmlns:p14="http://schemas.microsoft.com/office/powerpoint/2010/main" val="1832834004"/>
+        <p14:creationId xmlns:p14="http://schemas.microsoft.com/office/powerpoint/2010/main" val="938801804"/>
       </p:ext>
     </p:extLst>
   </p:cSld>
@@ -4322,4 +5297,319 @@
     </a:ext>
   </a:extLst>
 </a:theme>
+</file>
+
+<file path=ppt/theme/theme2.xml><?xml version="1.0" encoding="utf-8"?>
+<a:theme xmlns:a="http://schemas.openxmlformats.org/drawingml/2006/main" name="Office Theme">
+  <a:themeElements>
+    <a:clrScheme name="Office">
+      <a:dk1>
+        <a:sysClr val="windowText" lastClr="000000"/>
+      </a:dk1>
+      <a:lt1>
+        <a:sysClr val="window" lastClr="FFFFFF"/>
+      </a:lt1>
+      <a:dk2>
+        <a:srgbClr val="0E2841"/>
+      </a:dk2>
+      <a:lt2>
+        <a:srgbClr val="E8E8E8"/>
+      </a:lt2>
+      <a:accent1>
+        <a:srgbClr val="156082"/>
+      </a:accent1>
+      <a:accent2>
+        <a:srgbClr val="E97132"/>
+      </a:accent2>
+      <a:accent3>
+        <a:srgbClr val="196B24"/>
+      </a:accent3>
+      <a:accent4>
+        <a:srgbClr val="0F9ED5"/>
+      </a:accent4>
+      <a:accent5>
+        <a:srgbClr val="A02B93"/>
+      </a:accent5>
+      <a:accent6>
+        <a:srgbClr val="4EA72E"/>
+      </a:accent6>
+      <a:hlink>
+        <a:srgbClr val="467886"/>
+      </a:hlink>
+      <a:folHlink>
+        <a:srgbClr val="96607D"/>
+      </a:folHlink>
+    </a:clrScheme>
+    <a:fontScheme name="Office">
+      <a:majorFont>
+        <a:latin typeface="Aptos Display" panose="02110004020202020204"/>
+        <a:ea typeface=""/>
+        <a:cs typeface=""/>
+        <a:font script="Jpan" typeface="游ゴシック Light"/>
+        <a:font script="Hang" typeface="맑은 고딕"/>
+        <a:font script="Hans" typeface="等线 Light"/>
+        <a:font script="Hant" typeface="新細明體"/>
+        <a:font script="Arab" typeface="Times New Roman"/>
+        <a:font script="Hebr" typeface="Times New Roman"/>
+        <a:font script="Thai" typeface="Angsana New"/>
+        <a:font script="Ethi" typeface="Nyala"/>
+        <a:font script="Beng" typeface="Vrinda"/>
+        <a:font script="Gujr" typeface="Shruti"/>
+        <a:font script="Khmr" typeface="MoolBoran"/>
+        <a:font script="Knda" typeface="Tunga"/>
+        <a:font script="Guru" typeface="Raavi"/>
+        <a:font script="Cans" typeface="Euphemia"/>
+        <a:font script="Cher" typeface="Plantagenet Cherokee"/>
+        <a:font script="Yiii" typeface="Microsoft Yi Baiti"/>
+        <a:font script="Tibt" typeface="Microsoft Himalaya"/>
+        <a:font script="Thaa" typeface="MV Boli"/>
+        <a:font script="Deva" typeface="Mangal"/>
+        <a:font script="Telu" typeface="Gautami"/>
+        <a:font script="Taml" typeface="Latha"/>
+        <a:font script="Syrc" typeface="Estrangelo Edessa"/>
+        <a:font script="Orya" typeface="Kalinga"/>
+        <a:font script="Mlym" typeface="Kartika"/>
+        <a:font script="Laoo" typeface="DokChampa"/>
+        <a:font script="Sinh" typeface="Iskoola Pota"/>
+        <a:font script="Mong" typeface="Mongolian Baiti"/>
+        <a:font script="Viet" typeface="Times New Roman"/>
+        <a:font script="Uigh" typeface="Microsoft Uighur"/>
+        <a:font script="Geor" typeface="Sylfaen"/>
+        <a:font script="Armn" typeface="Arial"/>
+        <a:font script="Bugi" typeface="Leelawadee UI"/>
+        <a:font script="Bopo" typeface="Microsoft JhengHei"/>
+        <a:font script="Java" typeface="Javanese Text"/>
+        <a:font script="Lisu" typeface="Segoe UI"/>
+        <a:font script="Mymr" typeface="Myanmar Text"/>
+        <a:font script="Nkoo" typeface="Ebrima"/>
+        <a:font script="Olck" typeface="Nirmala UI"/>
+        <a:font script="Osma" typeface="Ebrima"/>
+        <a:font script="Phag" typeface="Phagspa"/>
+        <a:font script="Syrn" typeface="Estrangelo Edessa"/>
+        <a:font script="Syrj" typeface="Estrangelo Edessa"/>
+        <a:font script="Syre" typeface="Estrangelo Edessa"/>
+        <a:font script="Sora" typeface="Nirmala UI"/>
+        <a:font script="Tale" typeface="Microsoft Tai Le"/>
+        <a:font script="Talu" typeface="Microsoft New Tai Lue"/>
+        <a:font script="Tfng" typeface="Ebrima"/>
+      </a:majorFont>
+      <a:minorFont>
+        <a:latin typeface="Aptos" panose="02110004020202020204"/>
+        <a:ea typeface=""/>
+        <a:cs typeface=""/>
+        <a:font script="Jpan" typeface="游ゴシック"/>
+        <a:font script="Hang" typeface="맑은 고딕"/>
+        <a:font script="Hans" typeface="等线"/>
+        <a:font script="Hant" typeface="新細明體"/>
+        <a:font script="Arab" typeface="Arial"/>
+        <a:font script="Hebr" typeface="Arial"/>
+        <a:font script="Thai" typeface="Cordia New"/>
+        <a:font script="Ethi" typeface="Nyala"/>
+        <a:font script="Beng" typeface="Vrinda"/>
+        <a:font script="Gujr" typeface="Shruti"/>
+        <a:font script="Khmr" typeface="DaunPenh"/>
+        <a:font script="Knda" typeface="Tunga"/>
+        <a:font script="Guru" typeface="Raavi"/>
+        <a:font script="Cans" typeface="Euphemia"/>
+        <a:font script="Cher" typeface="Plantagenet Cherokee"/>
+        <a:font script="Yiii" typeface="Microsoft Yi Baiti"/>
+        <a:font script="Tibt" typeface="Microsoft Himalaya"/>
+        <a:font script="Thaa" typeface="MV Boli"/>
+        <a:font script="Deva" typeface="Mangal"/>
+        <a:font script="Telu" typeface="Gautami"/>
+        <a:font script="Taml" typeface="Latha"/>
+        <a:font script="Syrc" typeface="Estrangelo Edessa"/>
+        <a:font script="Orya" typeface="Kalinga"/>
+        <a:font script="Mlym" typeface="Kartika"/>
+        <a:font script="Laoo" typeface="DokChampa"/>
+        <a:font script="Sinh" typeface="Iskoola Pota"/>
+        <a:font script="Mong" typeface="Mongolian Baiti"/>
+        <a:font script="Viet" typeface="Arial"/>
+        <a:font script="Uigh" typeface="Microsoft Uighur"/>
+        <a:font script="Geor" typeface="Sylfaen"/>
+        <a:font script="Armn" typeface="Arial"/>
+        <a:font script="Bugi" typeface="Leelawadee UI"/>
+        <a:font script="Bopo" typeface="Microsoft JhengHei"/>
+        <a:font script="Java" typeface="Javanese Text"/>
+        <a:font script="Lisu" typeface="Segoe UI"/>
+        <a:font script="Mymr" typeface="Myanmar Text"/>
+        <a:font script="Nkoo" typeface="Ebrima"/>
+        <a:font script="Olck" typeface="Nirmala UI"/>
+        <a:font script="Osma" typeface="Ebrima"/>
+        <a:font script="Phag" typeface="Phagspa"/>
+        <a:font script="Syrn" typeface="Estrangelo Edessa"/>
+        <a:font script="Syrj" typeface="Estrangelo Edessa"/>
+        <a:font script="Syre" typeface="Estrangelo Edessa"/>
+        <a:font script="Sora" typeface="Nirmala UI"/>
+        <a:font script="Tale" typeface="Microsoft Tai Le"/>
+        <a:font script="Talu" typeface="Microsoft New Tai Lue"/>
+        <a:font script="Tfng" typeface="Ebrima"/>
+      </a:minorFont>
+    </a:fontScheme>
+    <a:fmtScheme name="Office">
+      <a:fillStyleLst>
+        <a:solidFill>
+          <a:schemeClr val="phClr"/>
+        </a:solidFill>
+        <a:gradFill rotWithShape="1">
+          <a:gsLst>
+            <a:gs pos="0">
+              <a:schemeClr val="phClr">
+                <a:lumMod val="110000"/>
+                <a:satMod val="105000"/>
+                <a:tint val="67000"/>
+              </a:schemeClr>
+            </a:gs>
+            <a:gs pos="50000">
+              <a:schemeClr val="phClr">
+                <a:lumMod val="105000"/>
+                <a:satMod val="103000"/>
+                <a:tint val="73000"/>
+              </a:schemeClr>
+            </a:gs>
+            <a:gs pos="100000">
+              <a:schemeClr val="phClr">
+                <a:lumMod val="105000"/>
+                <a:satMod val="109000"/>
+                <a:tint val="81000"/>
+              </a:schemeClr>
+            </a:gs>
+          </a:gsLst>
+          <a:lin ang="5400000" scaled="0"/>
+        </a:gradFill>
+        <a:gradFill rotWithShape="1">
+          <a:gsLst>
+            <a:gs pos="0">
+              <a:schemeClr val="phClr">
+                <a:satMod val="103000"/>
+                <a:lumMod val="102000"/>
+                <a:tint val="94000"/>
+              </a:schemeClr>
+            </a:gs>
+            <a:gs pos="50000">
+              <a:schemeClr val="phClr">
+                <a:satMod val="110000"/>
+                <a:lumMod val="100000"/>
+                <a:shade val="100000"/>
+              </a:schemeClr>
+            </a:gs>
+            <a:gs pos="100000">
+              <a:schemeClr val="phClr">
+                <a:lumMod val="99000"/>
+                <a:satMod val="120000"/>
+                <a:shade val="78000"/>
+              </a:schemeClr>
+            </a:gs>
+          </a:gsLst>
+          <a:lin ang="5400000" scaled="0"/>
+        </a:gradFill>
+      </a:fillStyleLst>
+      <a:lnStyleLst>
+        <a:ln w="12700" cap="flat" cmpd="sng" algn="ctr">
+          <a:solidFill>
+            <a:schemeClr val="phClr"/>
+          </a:solidFill>
+          <a:prstDash val="solid"/>
+          <a:miter lim="800000"/>
+        </a:ln>
+        <a:ln w="19050" cap="flat" cmpd="sng" algn="ctr">
+          <a:solidFill>
+            <a:schemeClr val="phClr"/>
+          </a:solidFill>
+          <a:prstDash val="solid"/>
+          <a:miter lim="800000"/>
+        </a:ln>
+        <a:ln w="25400" cap="flat" cmpd="sng" algn="ctr">
+          <a:solidFill>
+            <a:schemeClr val="phClr"/>
+          </a:solidFill>
+          <a:prstDash val="solid"/>
+          <a:miter lim="800000"/>
+        </a:ln>
+      </a:lnStyleLst>
+      <a:effectStyleLst>
+        <a:effectStyle>
+          <a:effectLst/>
+        </a:effectStyle>
+        <a:effectStyle>
+          <a:effectLst/>
+        </a:effectStyle>
+        <a:effectStyle>
+          <a:effectLst>
+            <a:outerShdw blurRad="57150" dist="19050" dir="5400000" algn="ctr" rotWithShape="0">
+              <a:srgbClr val="000000">
+                <a:alpha val="63000"/>
+              </a:srgbClr>
+            </a:outerShdw>
+          </a:effectLst>
+        </a:effectStyle>
+      </a:effectStyleLst>
+      <a:bgFillStyleLst>
+        <a:solidFill>
+          <a:schemeClr val="phClr"/>
+        </a:solidFill>
+        <a:solidFill>
+          <a:schemeClr val="phClr">
+            <a:tint val="95000"/>
+            <a:satMod val="170000"/>
+          </a:schemeClr>
+        </a:solidFill>
+        <a:gradFill rotWithShape="1">
+          <a:gsLst>
+            <a:gs pos="0">
+              <a:schemeClr val="phClr">
+                <a:tint val="93000"/>
+                <a:satMod val="150000"/>
+                <a:shade val="98000"/>
+                <a:lumMod val="102000"/>
+              </a:schemeClr>
+            </a:gs>
+            <a:gs pos="50000">
+              <a:schemeClr val="phClr">
+                <a:tint val="98000"/>
+                <a:satMod val="130000"/>
+                <a:shade val="90000"/>
+                <a:lumMod val="103000"/>
+              </a:schemeClr>
+            </a:gs>
+            <a:gs pos="100000">
+              <a:schemeClr val="phClr">
+                <a:shade val="63000"/>
+                <a:satMod val="120000"/>
+              </a:schemeClr>
+            </a:gs>
+          </a:gsLst>
+          <a:lin ang="5400000" scaled="0"/>
+        </a:gradFill>
+      </a:bgFillStyleLst>
+    </a:fmtScheme>
+  </a:themeElements>
+  <a:objectDefaults>
+    <a:lnDef>
+      <a:spPr/>
+      <a:bodyPr/>
+      <a:lstStyle/>
+      <a:style>
+        <a:lnRef idx="2">
+          <a:schemeClr val="accent1"/>
+        </a:lnRef>
+        <a:fillRef idx="0">
+          <a:schemeClr val="accent1"/>
+        </a:fillRef>
+        <a:effectRef idx="1">
+          <a:schemeClr val="accent1"/>
+        </a:effectRef>
+        <a:fontRef idx="minor">
+          <a:schemeClr val="tx1"/>
+        </a:fontRef>
+      </a:style>
+    </a:lnDef>
+  </a:objectDefaults>
+  <a:extraClrSchemeLst/>
+  <a:extLst>
+    <a:ext uri="{05A4C25C-085E-4340-85A3-A5531E510DB2}">
+      <thm15:themeFamily xmlns:thm15="http://schemas.microsoft.com/office/thememl/2012/main" name="Office Theme" id="{2E142A2C-CD16-42D6-873A-C26D2A0506FA}" vid="{1BDDFF52-6CD6-40A5-AB3C-68EB2F1E4D0A}"/>
+    </a:ext>
+  </a:extLst>
+</a:theme>
 </file>